--- a/Tutorial.pptx
+++ b/Tutorial.pptx
@@ -112,6 +112,11 @@
       </a:defRPr>
     </a:lvl9pPr>
   </p:defaultTextStyle>
+  <p:extLst>
+    <p:ext uri="{EFAFB233-063F-42B5-8137-9DF3F51BA10A}">
+      <p15:sldGuideLst xmlns:p15="http://schemas.microsoft.com/office/powerpoint/2012/main"/>
+    </p:ext>
+  </p:extLst>
 </p:presentation>
 </file>
 
@@ -263,7 +268,7 @@
           <a:lstStyle/>
           <a:p>
             <a:fld id="{32055241-53B9-BB4E-A174-A7F7AFEF4BBD}" type="datetimeFigureOut">
-              <a:t>30/04/2024</a:t>
+              <a:t>15/05/2024</a:t>
             </a:fld>
             <a:endParaRPr lang="en-DK"/>
           </a:p>
@@ -461,7 +466,7 @@
           <a:lstStyle/>
           <a:p>
             <a:fld id="{32055241-53B9-BB4E-A174-A7F7AFEF4BBD}" type="datetimeFigureOut">
-              <a:t>30/04/2024</a:t>
+              <a:t>15/05/2024</a:t>
             </a:fld>
             <a:endParaRPr lang="en-DK"/>
           </a:p>
@@ -669,7 +674,7 @@
           <a:lstStyle/>
           <a:p>
             <a:fld id="{32055241-53B9-BB4E-A174-A7F7AFEF4BBD}" type="datetimeFigureOut">
-              <a:t>30/04/2024</a:t>
+              <a:t>15/05/2024</a:t>
             </a:fld>
             <a:endParaRPr lang="en-DK"/>
           </a:p>
@@ -867,7 +872,7 @@
           <a:lstStyle/>
           <a:p>
             <a:fld id="{32055241-53B9-BB4E-A174-A7F7AFEF4BBD}" type="datetimeFigureOut">
-              <a:t>30/04/2024</a:t>
+              <a:t>15/05/2024</a:t>
             </a:fld>
             <a:endParaRPr lang="en-DK"/>
           </a:p>
@@ -1141,7 +1146,7 @@
           <a:lstStyle/>
           <a:p>
             <a:fld id="{32055241-53B9-BB4E-A174-A7F7AFEF4BBD}" type="datetimeFigureOut">
-              <a:t>30/04/2024</a:t>
+              <a:t>15/05/2024</a:t>
             </a:fld>
             <a:endParaRPr lang="en-DK"/>
           </a:p>
@@ -1407,7 +1412,7 @@
           <a:lstStyle/>
           <a:p>
             <a:fld id="{32055241-53B9-BB4E-A174-A7F7AFEF4BBD}" type="datetimeFigureOut">
-              <a:t>30/04/2024</a:t>
+              <a:t>15/05/2024</a:t>
             </a:fld>
             <a:endParaRPr lang="en-DK"/>
           </a:p>
@@ -1820,7 +1825,7 @@
           <a:lstStyle/>
           <a:p>
             <a:fld id="{32055241-53B9-BB4E-A174-A7F7AFEF4BBD}" type="datetimeFigureOut">
-              <a:t>30/04/2024</a:t>
+              <a:t>15/05/2024</a:t>
             </a:fld>
             <a:endParaRPr lang="en-DK"/>
           </a:p>
@@ -1960,7 +1965,7 @@
           <a:lstStyle/>
           <a:p>
             <a:fld id="{32055241-53B9-BB4E-A174-A7F7AFEF4BBD}" type="datetimeFigureOut">
-              <a:t>30/04/2024</a:t>
+              <a:t>15/05/2024</a:t>
             </a:fld>
             <a:endParaRPr lang="en-DK"/>
           </a:p>
@@ -2071,7 +2076,7 @@
           <a:lstStyle/>
           <a:p>
             <a:fld id="{32055241-53B9-BB4E-A174-A7F7AFEF4BBD}" type="datetimeFigureOut">
-              <a:t>30/04/2024</a:t>
+              <a:t>15/05/2024</a:t>
             </a:fld>
             <a:endParaRPr lang="en-DK"/>
           </a:p>
@@ -2382,7 +2387,7 @@
           <a:lstStyle/>
           <a:p>
             <a:fld id="{32055241-53B9-BB4E-A174-A7F7AFEF4BBD}" type="datetimeFigureOut">
-              <a:t>30/04/2024</a:t>
+              <a:t>15/05/2024</a:t>
             </a:fld>
             <a:endParaRPr lang="en-DK"/>
           </a:p>
@@ -2669,7 +2674,7 @@
           <a:lstStyle/>
           <a:p>
             <a:fld id="{32055241-53B9-BB4E-A174-A7F7AFEF4BBD}" type="datetimeFigureOut">
-              <a:t>30/04/2024</a:t>
+              <a:t>15/05/2024</a:t>
             </a:fld>
             <a:endParaRPr lang="en-DK"/>
           </a:p>
@@ -2910,7 +2915,7 @@
           </a:lstStyle>
           <a:p>
             <a:fld id="{32055241-53B9-BB4E-A174-A7F7AFEF4BBD}" type="datetimeFigureOut">
-              <a:t>30/04/2024</a:t>
+              <a:t>15/05/2024</a:t>
             </a:fld>
             <a:endParaRPr lang="en-DK"/>
           </a:p>
@@ -3970,12 +3975,160 @@
           <a:chExt cx="0" cy="0"/>
         </a:xfrm>
       </p:grpSpPr>
+      <p:sp>
+        <p:nvSpPr>
+          <p:cNvPr id="4" name="TextBox 3">
+            <a:extLst>
+              <a:ext uri="{FF2B5EF4-FFF2-40B4-BE49-F238E27FC236}">
+                <a16:creationId xmlns:a16="http://schemas.microsoft.com/office/drawing/2014/main" id="{D439A001-75F9-5B52-A4B0-CBC7306BA498}"/>
+              </a:ext>
+            </a:extLst>
+          </p:cNvPr>
+          <p:cNvSpPr txBox="1"/>
+          <p:nvPr/>
+        </p:nvSpPr>
+        <p:spPr>
+          <a:xfrm>
+            <a:off x="2477813" y="5228021"/>
+            <a:ext cx="4125311" cy="1200329"/>
+          </a:xfrm>
+          <a:prstGeom prst="rect">
+            <a:avLst/>
+          </a:prstGeom>
+          <a:noFill/>
+          <a:ln>
+            <a:solidFill>
+              <a:srgbClr val="C00000"/>
+            </a:solidFill>
+          </a:ln>
+        </p:spPr>
+        <p:txBody>
+          <a:bodyPr wrap="square" rtlCol="0">
+            <a:spAutoFit/>
+          </a:bodyPr>
+          <a:lstStyle/>
+          <a:p>
+            <a:r>
+              <a:rPr lang="en-DK">
+                <a:solidFill>
+                  <a:srgbClr val="C00000"/>
+                </a:solidFill>
+              </a:rPr>
+              <a:t>A drug can have no, one or more than one assigned ATC code. Click here to open the ATC code network for more detailed information</a:t>
+            </a:r>
+          </a:p>
+        </p:txBody>
+      </p:sp>
+      <p:sp>
+        <p:nvSpPr>
+          <p:cNvPr id="7" name="TextBox 6">
+            <a:extLst>
+              <a:ext uri="{FF2B5EF4-FFF2-40B4-BE49-F238E27FC236}">
+                <a16:creationId xmlns:a16="http://schemas.microsoft.com/office/drawing/2014/main" id="{AAEE22A6-51DA-6136-8693-D0C7CF0C39C2}"/>
+              </a:ext>
+            </a:extLst>
+          </p:cNvPr>
+          <p:cNvSpPr txBox="1"/>
+          <p:nvPr/>
+        </p:nvSpPr>
+        <p:spPr>
+          <a:xfrm>
+            <a:off x="8266795" y="5333562"/>
+            <a:ext cx="2519855" cy="646331"/>
+          </a:xfrm>
+          <a:prstGeom prst="rect">
+            <a:avLst/>
+          </a:prstGeom>
+          <a:noFill/>
+          <a:ln>
+            <a:solidFill>
+              <a:srgbClr val="C00000"/>
+            </a:solidFill>
+          </a:ln>
+        </p:spPr>
+        <p:txBody>
+          <a:bodyPr wrap="square" rtlCol="0">
+            <a:spAutoFit/>
+          </a:bodyPr>
+          <a:lstStyle/>
+          <a:p>
+            <a:r>
+              <a:rPr lang="en-DK">
+                <a:solidFill>
+                  <a:srgbClr val="C00000"/>
+                </a:solidFill>
+              </a:rPr>
+              <a:t>Click here to see drug adverse reaction</a:t>
+            </a:r>
+          </a:p>
+        </p:txBody>
+      </p:sp>
+      <p:sp>
+        <p:nvSpPr>
+          <p:cNvPr id="15" name="TextBox 14">
+            <a:extLst>
+              <a:ext uri="{FF2B5EF4-FFF2-40B4-BE49-F238E27FC236}">
+                <a16:creationId xmlns:a16="http://schemas.microsoft.com/office/drawing/2014/main" id="{007D3E2D-F941-3048-A2F5-06CF6EB8D6C5}"/>
+              </a:ext>
+            </a:extLst>
+          </p:cNvPr>
+          <p:cNvSpPr txBox="1"/>
+          <p:nvPr/>
+        </p:nvSpPr>
+        <p:spPr>
+          <a:xfrm>
+            <a:off x="4162097" y="559068"/>
+            <a:ext cx="5364626" cy="923330"/>
+          </a:xfrm>
+          <a:prstGeom prst="rect">
+            <a:avLst/>
+          </a:prstGeom>
+          <a:noFill/>
+          <a:ln>
+            <a:solidFill>
+              <a:srgbClr val="C00000"/>
+            </a:solidFill>
+          </a:ln>
+        </p:spPr>
+        <p:txBody>
+          <a:bodyPr wrap="square" rtlCol="0">
+            <a:spAutoFit/>
+          </a:bodyPr>
+          <a:lstStyle/>
+          <a:p>
+            <a:r>
+              <a:rPr lang="en-DK">
+                <a:solidFill>
+                  <a:srgbClr val="C00000"/>
+                </a:solidFill>
+              </a:rPr>
+              <a:t>Use this search box to find a drug from its Drugbank ID or name. </a:t>
+            </a:r>
+            <a:r>
+              <a:rPr lang="vi-VN">
+                <a:solidFill>
+                  <a:srgbClr val="C00000"/>
+                </a:solidFill>
+              </a:rPr>
+              <a:t>Autocomplete feature suggests possible matches as the user types.</a:t>
+            </a:r>
+            <a:r>
+              <a:rPr lang="en-DK">
+                <a:solidFill>
+                  <a:srgbClr val="C00000"/>
+                </a:solidFill>
+              </a:rPr>
+              <a:t> </a:t>
+            </a:r>
+          </a:p>
+        </p:txBody>
+      </p:sp>
       <p:pic>
         <p:nvPicPr>
-          <p:cNvPr id="3" name="Picture 2" descr="A screenshot of a computer&#10;&#10;Description automatically generated">
-            <a:extLst>
-              <a:ext uri="{FF2B5EF4-FFF2-40B4-BE49-F238E27FC236}">
-                <a16:creationId xmlns:a16="http://schemas.microsoft.com/office/drawing/2014/main" id="{2B25C831-DCFE-0654-A852-5E04CE57E87E}"/>
+          <p:cNvPr id="2" name="Picture 1">
+            <a:extLst>
+              <a:ext uri="{FF2B5EF4-FFF2-40B4-BE49-F238E27FC236}">
+                <a16:creationId xmlns:a16="http://schemas.microsoft.com/office/drawing/2014/main" id="{06B6D78C-6E01-B405-DF9D-28351E8EF202}"/>
               </a:ext>
             </a:extLst>
           </p:cNvPr>
@@ -3992,20 +4145,152 @@
         </p:blipFill>
         <p:spPr>
           <a:xfrm>
-            <a:off x="1026482" y="1629979"/>
-            <a:ext cx="10139035" cy="2805386"/>
+            <a:off x="1612284" y="1524438"/>
+            <a:ext cx="8489209" cy="3512533"/>
           </a:xfrm>
           <a:prstGeom prst="rect">
             <a:avLst/>
           </a:prstGeom>
         </p:spPr>
       </p:pic>
-      <p:sp>
-        <p:nvSpPr>
-          <p:cNvPr id="4" name="TextBox 3">
-            <a:extLst>
-              <a:ext uri="{FF2B5EF4-FFF2-40B4-BE49-F238E27FC236}">
-                <a16:creationId xmlns:a16="http://schemas.microsoft.com/office/drawing/2014/main" id="{D439A001-75F9-5B52-A4B0-CBC7306BA498}"/>
+      <p:cxnSp>
+        <p:nvCxnSpPr>
+          <p:cNvPr id="11" name="Straight Arrow Connector 10">
+            <a:extLst>
+              <a:ext uri="{FF2B5EF4-FFF2-40B4-BE49-F238E27FC236}">
+                <a16:creationId xmlns:a16="http://schemas.microsoft.com/office/drawing/2014/main" id="{D754D501-FF05-FDBD-8B7F-AAC0F675C34B}"/>
+              </a:ext>
+            </a:extLst>
+          </p:cNvPr>
+          <p:cNvCxnSpPr>
+            <a:cxnSpLocks/>
+          </p:cNvCxnSpPr>
+          <p:nvPr/>
+        </p:nvCxnSpPr>
+        <p:spPr>
+          <a:xfrm flipH="1">
+            <a:off x="3657600" y="1418897"/>
+            <a:ext cx="504497" cy="746234"/>
+          </a:xfrm>
+          <a:prstGeom prst="straightConnector1">
+            <a:avLst/>
+          </a:prstGeom>
+          <a:ln>
+            <a:solidFill>
+              <a:srgbClr val="C00000"/>
+            </a:solidFill>
+            <a:tailEnd type="triangle"/>
+          </a:ln>
+        </p:spPr>
+        <p:style>
+          <a:lnRef idx="2">
+            <a:schemeClr val="accent1"/>
+          </a:lnRef>
+          <a:fillRef idx="0">
+            <a:schemeClr val="accent1"/>
+          </a:fillRef>
+          <a:effectRef idx="1">
+            <a:schemeClr val="accent1"/>
+          </a:effectRef>
+          <a:fontRef idx="minor">
+            <a:schemeClr val="tx1"/>
+          </a:fontRef>
+        </p:style>
+      </p:cxnSp>
+      <p:cxnSp>
+        <p:nvCxnSpPr>
+          <p:cNvPr id="5" name="Straight Arrow Connector 4">
+            <a:extLst>
+              <a:ext uri="{FF2B5EF4-FFF2-40B4-BE49-F238E27FC236}">
+                <a16:creationId xmlns:a16="http://schemas.microsoft.com/office/drawing/2014/main" id="{E9BB30B9-440D-5567-AC7A-BEE6E03E1326}"/>
+              </a:ext>
+            </a:extLst>
+          </p:cNvPr>
+          <p:cNvCxnSpPr>
+            <a:cxnSpLocks/>
+          </p:cNvCxnSpPr>
+          <p:nvPr/>
+        </p:nvCxnSpPr>
+        <p:spPr>
+          <a:xfrm flipV="1">
+            <a:off x="3870435" y="4692870"/>
+            <a:ext cx="670033" cy="535151"/>
+          </a:xfrm>
+          <a:prstGeom prst="straightConnector1">
+            <a:avLst/>
+          </a:prstGeom>
+          <a:ln>
+            <a:solidFill>
+              <a:srgbClr val="C00000"/>
+            </a:solidFill>
+            <a:tailEnd type="triangle"/>
+          </a:ln>
+        </p:spPr>
+        <p:style>
+          <a:lnRef idx="2">
+            <a:schemeClr val="accent1"/>
+          </a:lnRef>
+          <a:fillRef idx="0">
+            <a:schemeClr val="accent1"/>
+          </a:fillRef>
+          <a:effectRef idx="1">
+            <a:schemeClr val="accent1"/>
+          </a:effectRef>
+          <a:fontRef idx="minor">
+            <a:schemeClr val="tx1"/>
+          </a:fontRef>
+        </p:style>
+      </p:cxnSp>
+      <p:cxnSp>
+        <p:nvCxnSpPr>
+          <p:cNvPr id="8" name="Straight Arrow Connector 7">
+            <a:extLst>
+              <a:ext uri="{FF2B5EF4-FFF2-40B4-BE49-F238E27FC236}">
+                <a16:creationId xmlns:a16="http://schemas.microsoft.com/office/drawing/2014/main" id="{CF791697-F91A-66F0-0660-BD07ABCDE8AF}"/>
+              </a:ext>
+            </a:extLst>
+          </p:cNvPr>
+          <p:cNvCxnSpPr>
+            <a:cxnSpLocks/>
+          </p:cNvCxnSpPr>
+          <p:nvPr/>
+        </p:nvCxnSpPr>
+        <p:spPr>
+          <a:xfrm flipH="1" flipV="1">
+            <a:off x="9045205" y="4849648"/>
+            <a:ext cx="298492" cy="483914"/>
+          </a:xfrm>
+          <a:prstGeom prst="straightConnector1">
+            <a:avLst/>
+          </a:prstGeom>
+          <a:ln>
+            <a:solidFill>
+              <a:srgbClr val="C00000"/>
+            </a:solidFill>
+            <a:tailEnd type="triangle"/>
+          </a:ln>
+        </p:spPr>
+        <p:style>
+          <a:lnRef idx="2">
+            <a:schemeClr val="accent1"/>
+          </a:lnRef>
+          <a:fillRef idx="0">
+            <a:schemeClr val="accent1"/>
+          </a:fillRef>
+          <a:effectRef idx="1">
+            <a:schemeClr val="accent1"/>
+          </a:effectRef>
+          <a:fontRef idx="minor">
+            <a:schemeClr val="tx1"/>
+          </a:fontRef>
+        </p:style>
+      </p:cxnSp>
+      <p:sp>
+        <p:nvSpPr>
+          <p:cNvPr id="12" name="TextBox 11">
+            <a:extLst>
+              <a:ext uri="{FF2B5EF4-FFF2-40B4-BE49-F238E27FC236}">
+                <a16:creationId xmlns:a16="http://schemas.microsoft.com/office/drawing/2014/main" id="{03498D4D-5469-D45F-910B-11BB0FE8C360}"/>
               </a:ext>
             </a:extLst>
           </p:cNvPr>
@@ -4014,8 +4299,8 @@
         </p:nvSpPr>
         <p:spPr>
           <a:xfrm>
-            <a:off x="2477813" y="5228021"/>
-            <a:ext cx="4125311" cy="1200329"/>
+            <a:off x="10101493" y="1731468"/>
+            <a:ext cx="1945084" cy="923330"/>
           </a:xfrm>
           <a:prstGeom prst="rect">
             <a:avLst/>
@@ -4039,17 +4324,17 @@
                   <a:srgbClr val="C00000"/>
                 </a:solidFill>
               </a:rPr>
-              <a:t>A drug can have no, one or more than one assigned ATC code. Click here to open the ATC code network for more detailed information</a:t>
+              <a:t>Click here to see drug information in Drugbank</a:t>
             </a:r>
           </a:p>
         </p:txBody>
       </p:sp>
       <p:cxnSp>
         <p:nvCxnSpPr>
-          <p:cNvPr id="5" name="Straight Arrow Connector 4">
-            <a:extLst>
-              <a:ext uri="{FF2B5EF4-FFF2-40B4-BE49-F238E27FC236}">
-                <a16:creationId xmlns:a16="http://schemas.microsoft.com/office/drawing/2014/main" id="{E9BB30B9-440D-5567-AC7A-BEE6E03E1326}"/>
+          <p:cNvPr id="13" name="Straight Arrow Connector 12">
+            <a:extLst>
+              <a:ext uri="{FF2B5EF4-FFF2-40B4-BE49-F238E27FC236}">
+                <a16:creationId xmlns:a16="http://schemas.microsoft.com/office/drawing/2014/main" id="{55DFAC1D-859A-DE24-0FF8-9FB4AFACBDBA}"/>
               </a:ext>
             </a:extLst>
           </p:cNvPr>
@@ -4059,9 +4344,9 @@
           <p:nvPr/>
         </p:nvCxnSpPr>
         <p:spPr>
-          <a:xfrm flipV="1">
-            <a:off x="3870435" y="4435365"/>
-            <a:ext cx="1058917" cy="792656"/>
+          <a:xfrm flipH="1">
+            <a:off x="9932276" y="2654798"/>
+            <a:ext cx="723445" cy="625906"/>
           </a:xfrm>
           <a:prstGeom prst="straightConnector1">
             <a:avLst/>
@@ -4088,198 +4373,6 @@
           </a:fontRef>
         </p:style>
       </p:cxnSp>
-      <p:sp>
-        <p:nvSpPr>
-          <p:cNvPr id="7" name="TextBox 6">
-            <a:extLst>
-              <a:ext uri="{FF2B5EF4-FFF2-40B4-BE49-F238E27FC236}">
-                <a16:creationId xmlns:a16="http://schemas.microsoft.com/office/drawing/2014/main" id="{AAEE22A6-51DA-6136-8693-D0C7CF0C39C2}"/>
-              </a:ext>
-            </a:extLst>
-          </p:cNvPr>
-          <p:cNvSpPr txBox="1"/>
-          <p:nvPr/>
-        </p:nvSpPr>
-        <p:spPr>
-          <a:xfrm>
-            <a:off x="8187149" y="4981028"/>
-            <a:ext cx="2519855" cy="923330"/>
-          </a:xfrm>
-          <a:prstGeom prst="rect">
-            <a:avLst/>
-          </a:prstGeom>
-          <a:noFill/>
-          <a:ln>
-            <a:solidFill>
-              <a:srgbClr val="C00000"/>
-            </a:solidFill>
-          </a:ln>
-        </p:spPr>
-        <p:txBody>
-          <a:bodyPr wrap="square" rtlCol="0">
-            <a:spAutoFit/>
-          </a:bodyPr>
-          <a:lstStyle/>
-          <a:p>
-            <a:r>
-              <a:rPr lang="en-DK">
-                <a:solidFill>
-                  <a:srgbClr val="C00000"/>
-                </a:solidFill>
-              </a:rPr>
-              <a:t>Click here to see drug information in Drugbank</a:t>
-            </a:r>
-          </a:p>
-        </p:txBody>
-      </p:sp>
-      <p:cxnSp>
-        <p:nvCxnSpPr>
-          <p:cNvPr id="8" name="Straight Arrow Connector 7">
-            <a:extLst>
-              <a:ext uri="{FF2B5EF4-FFF2-40B4-BE49-F238E27FC236}">
-                <a16:creationId xmlns:a16="http://schemas.microsoft.com/office/drawing/2014/main" id="{CF791697-F91A-66F0-0660-BD07ABCDE8AF}"/>
-              </a:ext>
-            </a:extLst>
-          </p:cNvPr>
-          <p:cNvCxnSpPr>
-            <a:cxnSpLocks/>
-          </p:cNvCxnSpPr>
-          <p:nvPr/>
-        </p:nvCxnSpPr>
-        <p:spPr>
-          <a:xfrm flipV="1">
-            <a:off x="9879724" y="4435365"/>
-            <a:ext cx="510655" cy="545663"/>
-          </a:xfrm>
-          <a:prstGeom prst="straightConnector1">
-            <a:avLst/>
-          </a:prstGeom>
-          <a:ln>
-            <a:solidFill>
-              <a:srgbClr val="C00000"/>
-            </a:solidFill>
-            <a:tailEnd type="triangle"/>
-          </a:ln>
-        </p:spPr>
-        <p:style>
-          <a:lnRef idx="2">
-            <a:schemeClr val="accent1"/>
-          </a:lnRef>
-          <a:fillRef idx="0">
-            <a:schemeClr val="accent1"/>
-          </a:fillRef>
-          <a:effectRef idx="1">
-            <a:schemeClr val="accent1"/>
-          </a:effectRef>
-          <a:fontRef idx="minor">
-            <a:schemeClr val="tx1"/>
-          </a:fontRef>
-        </p:style>
-      </p:cxnSp>
-      <p:cxnSp>
-        <p:nvCxnSpPr>
-          <p:cNvPr id="11" name="Straight Arrow Connector 10">
-            <a:extLst>
-              <a:ext uri="{FF2B5EF4-FFF2-40B4-BE49-F238E27FC236}">
-                <a16:creationId xmlns:a16="http://schemas.microsoft.com/office/drawing/2014/main" id="{D754D501-FF05-FDBD-8B7F-AAC0F675C34B}"/>
-              </a:ext>
-            </a:extLst>
-          </p:cNvPr>
-          <p:cNvCxnSpPr>
-            <a:cxnSpLocks/>
-          </p:cNvCxnSpPr>
-          <p:nvPr/>
-        </p:nvCxnSpPr>
-        <p:spPr>
-          <a:xfrm flipH="1">
-            <a:off x="3647090" y="1418897"/>
-            <a:ext cx="515007" cy="935420"/>
-          </a:xfrm>
-          <a:prstGeom prst="straightConnector1">
-            <a:avLst/>
-          </a:prstGeom>
-          <a:ln>
-            <a:solidFill>
-              <a:srgbClr val="C00000"/>
-            </a:solidFill>
-            <a:tailEnd type="triangle"/>
-          </a:ln>
-        </p:spPr>
-        <p:style>
-          <a:lnRef idx="2">
-            <a:schemeClr val="accent1"/>
-          </a:lnRef>
-          <a:fillRef idx="0">
-            <a:schemeClr val="accent1"/>
-          </a:fillRef>
-          <a:effectRef idx="1">
-            <a:schemeClr val="accent1"/>
-          </a:effectRef>
-          <a:fontRef idx="minor">
-            <a:schemeClr val="tx1"/>
-          </a:fontRef>
-        </p:style>
-      </p:cxnSp>
-      <p:sp>
-        <p:nvSpPr>
-          <p:cNvPr id="15" name="TextBox 14">
-            <a:extLst>
-              <a:ext uri="{FF2B5EF4-FFF2-40B4-BE49-F238E27FC236}">
-                <a16:creationId xmlns:a16="http://schemas.microsoft.com/office/drawing/2014/main" id="{007D3E2D-F941-3048-A2F5-06CF6EB8D6C5}"/>
-              </a:ext>
-            </a:extLst>
-          </p:cNvPr>
-          <p:cNvSpPr txBox="1"/>
-          <p:nvPr/>
-        </p:nvSpPr>
-        <p:spPr>
-          <a:xfrm>
-            <a:off x="4162097" y="601108"/>
-            <a:ext cx="5364626" cy="923330"/>
-          </a:xfrm>
-          <a:prstGeom prst="rect">
-            <a:avLst/>
-          </a:prstGeom>
-          <a:noFill/>
-          <a:ln>
-            <a:solidFill>
-              <a:srgbClr val="C00000"/>
-            </a:solidFill>
-          </a:ln>
-        </p:spPr>
-        <p:txBody>
-          <a:bodyPr wrap="square" rtlCol="0">
-            <a:spAutoFit/>
-          </a:bodyPr>
-          <a:lstStyle/>
-          <a:p>
-            <a:r>
-              <a:rPr lang="en-DK">
-                <a:solidFill>
-                  <a:srgbClr val="C00000"/>
-                </a:solidFill>
-              </a:rPr>
-              <a:t>Use this search box to find a drug from its Drugbank ID or name. </a:t>
-            </a:r>
-            <a:r>
-              <a:rPr lang="vi-VN">
-                <a:solidFill>
-                  <a:srgbClr val="C00000"/>
-                </a:solidFill>
-              </a:rPr>
-              <a:t>Autocomplete feature suggests possible matches as the user types.</a:t>
-            </a:r>
-            <a:r>
-              <a:rPr lang="en-DK">
-                <a:solidFill>
-                  <a:srgbClr val="C00000"/>
-                </a:solidFill>
-              </a:rPr>
-              <a:t> </a:t>
-            </a:r>
-          </a:p>
-        </p:txBody>
-      </p:sp>
     </p:spTree>
     <p:extLst>
       <p:ext uri="{BB962C8B-B14F-4D97-AF65-F5344CB8AC3E}">

--- a/Tutorial.pptx
+++ b/Tutorial.pptx
@@ -7,13 +7,14 @@
   <p:sldIdLst>
     <p:sldId id="256" r:id="rId2"/>
     <p:sldId id="257" r:id="rId3"/>
-    <p:sldId id="258" r:id="rId4"/>
-    <p:sldId id="259" r:id="rId5"/>
-    <p:sldId id="260" r:id="rId6"/>
-    <p:sldId id="261" r:id="rId7"/>
-    <p:sldId id="262" r:id="rId8"/>
-    <p:sldId id="263" r:id="rId9"/>
-    <p:sldId id="264" r:id="rId10"/>
+    <p:sldId id="265" r:id="rId4"/>
+    <p:sldId id="258" r:id="rId5"/>
+    <p:sldId id="259" r:id="rId6"/>
+    <p:sldId id="260" r:id="rId7"/>
+    <p:sldId id="261" r:id="rId8"/>
+    <p:sldId id="262" r:id="rId9"/>
+    <p:sldId id="263" r:id="rId10"/>
+    <p:sldId id="264" r:id="rId11"/>
   </p:sldIdLst>
   <p:sldSz cx="12192000" cy="6858000"/>
   <p:notesSz cx="6858000" cy="9144000"/>
@@ -268,7 +269,7 @@
           <a:lstStyle/>
           <a:p>
             <a:fld id="{32055241-53B9-BB4E-A174-A7F7AFEF4BBD}" type="datetimeFigureOut">
-              <a:t>15/05/2024</a:t>
+              <a:t>17/08/2024</a:t>
             </a:fld>
             <a:endParaRPr lang="en-DK"/>
           </a:p>
@@ -466,7 +467,7 @@
           <a:lstStyle/>
           <a:p>
             <a:fld id="{32055241-53B9-BB4E-A174-A7F7AFEF4BBD}" type="datetimeFigureOut">
-              <a:t>15/05/2024</a:t>
+              <a:t>17/08/2024</a:t>
             </a:fld>
             <a:endParaRPr lang="en-DK"/>
           </a:p>
@@ -674,7 +675,7 @@
           <a:lstStyle/>
           <a:p>
             <a:fld id="{32055241-53B9-BB4E-A174-A7F7AFEF4BBD}" type="datetimeFigureOut">
-              <a:t>15/05/2024</a:t>
+              <a:t>17/08/2024</a:t>
             </a:fld>
             <a:endParaRPr lang="en-DK"/>
           </a:p>
@@ -872,7 +873,7 @@
           <a:lstStyle/>
           <a:p>
             <a:fld id="{32055241-53B9-BB4E-A174-A7F7AFEF4BBD}" type="datetimeFigureOut">
-              <a:t>15/05/2024</a:t>
+              <a:t>17/08/2024</a:t>
             </a:fld>
             <a:endParaRPr lang="en-DK"/>
           </a:p>
@@ -1146,7 +1147,7 @@
           <a:lstStyle/>
           <a:p>
             <a:fld id="{32055241-53B9-BB4E-A174-A7F7AFEF4BBD}" type="datetimeFigureOut">
-              <a:t>15/05/2024</a:t>
+              <a:t>17/08/2024</a:t>
             </a:fld>
             <a:endParaRPr lang="en-DK"/>
           </a:p>
@@ -1412,7 +1413,7 @@
           <a:lstStyle/>
           <a:p>
             <a:fld id="{32055241-53B9-BB4E-A174-A7F7AFEF4BBD}" type="datetimeFigureOut">
-              <a:t>15/05/2024</a:t>
+              <a:t>17/08/2024</a:t>
             </a:fld>
             <a:endParaRPr lang="en-DK"/>
           </a:p>
@@ -1825,7 +1826,7 @@
           <a:lstStyle/>
           <a:p>
             <a:fld id="{32055241-53B9-BB4E-A174-A7F7AFEF4BBD}" type="datetimeFigureOut">
-              <a:t>15/05/2024</a:t>
+              <a:t>17/08/2024</a:t>
             </a:fld>
             <a:endParaRPr lang="en-DK"/>
           </a:p>
@@ -1965,7 +1966,7 @@
           <a:lstStyle/>
           <a:p>
             <a:fld id="{32055241-53B9-BB4E-A174-A7F7AFEF4BBD}" type="datetimeFigureOut">
-              <a:t>15/05/2024</a:t>
+              <a:t>17/08/2024</a:t>
             </a:fld>
             <a:endParaRPr lang="en-DK"/>
           </a:p>
@@ -2076,7 +2077,7 @@
           <a:lstStyle/>
           <a:p>
             <a:fld id="{32055241-53B9-BB4E-A174-A7F7AFEF4BBD}" type="datetimeFigureOut">
-              <a:t>15/05/2024</a:t>
+              <a:t>17/08/2024</a:t>
             </a:fld>
             <a:endParaRPr lang="en-DK"/>
           </a:p>
@@ -2387,7 +2388,7 @@
           <a:lstStyle/>
           <a:p>
             <a:fld id="{32055241-53B9-BB4E-A174-A7F7AFEF4BBD}" type="datetimeFigureOut">
-              <a:t>15/05/2024</a:t>
+              <a:t>17/08/2024</a:t>
             </a:fld>
             <a:endParaRPr lang="en-DK"/>
           </a:p>
@@ -2674,7 +2675,7 @@
           <a:lstStyle/>
           <a:p>
             <a:fld id="{32055241-53B9-BB4E-A174-A7F7AFEF4BBD}" type="datetimeFigureOut">
-              <a:t>15/05/2024</a:t>
+              <a:t>17/08/2024</a:t>
             </a:fld>
             <a:endParaRPr lang="en-DK"/>
           </a:p>
@@ -2915,7 +2916,7 @@
           </a:lstStyle>
           <a:p>
             <a:fld id="{32055241-53B9-BB4E-A174-A7F7AFEF4BBD}" type="datetimeFigureOut">
-              <a:t>15/05/2024</a:t>
+              <a:t>17/08/2024</a:t>
             </a:fld>
             <a:endParaRPr lang="en-DK"/>
           </a:p>
@@ -3558,7 +3559,7 @@
 </p:sld>
 </file>
 
-<file path=ppt/slides/slide2.xml><?xml version="1.0" encoding="utf-8"?>
+<file path=ppt/slides/slide10.xml><?xml version="1.0" encoding="utf-8"?>
 <p:sld xmlns:a="http://schemas.openxmlformats.org/drawingml/2006/main" xmlns:r="http://schemas.openxmlformats.org/officeDocument/2006/relationships" xmlns:p="http://schemas.openxmlformats.org/presentationml/2006/main">
   <p:cSld>
     <p:spTree>
@@ -3577,10 +3578,10 @@
       </p:grpSpPr>
       <p:pic>
         <p:nvPicPr>
-          <p:cNvPr id="5" name="Picture 4" descr="A screenshot of a medical form&#10;&#10;Description automatically generated">
-            <a:extLst>
-              <a:ext uri="{FF2B5EF4-FFF2-40B4-BE49-F238E27FC236}">
-                <a16:creationId xmlns:a16="http://schemas.microsoft.com/office/drawing/2014/main" id="{FFDA0169-8150-CAB3-A462-BC21D4CA5EF9}"/>
+          <p:cNvPr id="5" name="Picture 4" descr="A screenshot of a graph&#10;&#10;Description automatically generated">
+            <a:extLst>
+              <a:ext uri="{FF2B5EF4-FFF2-40B4-BE49-F238E27FC236}">
+                <a16:creationId xmlns:a16="http://schemas.microsoft.com/office/drawing/2014/main" id="{786B6DE2-D066-960D-AB94-B89C8941C41D}"/>
               </a:ext>
             </a:extLst>
           </p:cNvPr>
@@ -3597,20 +3598,64 @@
         </p:blipFill>
         <p:spPr>
           <a:xfrm>
-            <a:off x="446206" y="1903333"/>
-            <a:ext cx="11299587" cy="2836917"/>
+            <a:off x="545135" y="795419"/>
+            <a:ext cx="10864863" cy="5230374"/>
           </a:xfrm>
           <a:prstGeom prst="rect">
             <a:avLst/>
           </a:prstGeom>
         </p:spPr>
       </p:pic>
+      <p:sp>
+        <p:nvSpPr>
+          <p:cNvPr id="6" name="TextBox 5">
+            <a:extLst>
+              <a:ext uri="{FF2B5EF4-FFF2-40B4-BE49-F238E27FC236}">
+                <a16:creationId xmlns:a16="http://schemas.microsoft.com/office/drawing/2014/main" id="{2FBA05B0-61CF-4968-6876-C1945D6D2F39}"/>
+              </a:ext>
+            </a:extLst>
+          </p:cNvPr>
+          <p:cNvSpPr txBox="1"/>
+          <p:nvPr/>
+        </p:nvSpPr>
+        <p:spPr>
+          <a:xfrm>
+            <a:off x="4080642" y="2317586"/>
+            <a:ext cx="2015358" cy="646331"/>
+          </a:xfrm>
+          <a:prstGeom prst="rect">
+            <a:avLst/>
+          </a:prstGeom>
+          <a:noFill/>
+          <a:ln>
+            <a:solidFill>
+              <a:srgbClr val="C00000"/>
+            </a:solidFill>
+          </a:ln>
+        </p:spPr>
+        <p:txBody>
+          <a:bodyPr wrap="square" rtlCol="0">
+            <a:spAutoFit/>
+          </a:bodyPr>
+          <a:lstStyle/>
+          <a:p>
+            <a:r>
+              <a:rPr lang="en-DK">
+                <a:solidFill>
+                  <a:srgbClr val="C00000"/>
+                </a:solidFill>
+              </a:rPr>
+              <a:t>Choose a mode of action</a:t>
+            </a:r>
+          </a:p>
+        </p:txBody>
+      </p:sp>
       <p:cxnSp>
         <p:nvCxnSpPr>
-          <p:cNvPr id="6" name="Straight Arrow Connector 5">
-            <a:extLst>
-              <a:ext uri="{FF2B5EF4-FFF2-40B4-BE49-F238E27FC236}">
-                <a16:creationId xmlns:a16="http://schemas.microsoft.com/office/drawing/2014/main" id="{15C17D93-0234-29CB-AD1F-A12E50B71465}"/>
+          <p:cNvPr id="7" name="Straight Arrow Connector 6">
+            <a:extLst>
+              <a:ext uri="{FF2B5EF4-FFF2-40B4-BE49-F238E27FC236}">
+                <a16:creationId xmlns:a16="http://schemas.microsoft.com/office/drawing/2014/main" id="{C30B79E8-1414-6B09-0C18-E667B3DA3A7F}"/>
               </a:ext>
             </a:extLst>
           </p:cNvPr>
@@ -3620,9 +3665,9 @@
           <p:nvPr/>
         </p:nvCxnSpPr>
         <p:spPr>
-          <a:xfrm flipH="1" flipV="1">
-            <a:off x="3436883" y="2701159"/>
-            <a:ext cx="599089" cy="2200957"/>
+          <a:xfrm flipV="1">
+            <a:off x="6096000" y="2091614"/>
+            <a:ext cx="1135117" cy="451945"/>
           </a:xfrm>
           <a:prstGeom prst="straightConnector1">
             <a:avLst/>
@@ -3651,10 +3696,10 @@
       </p:cxnSp>
       <p:sp>
         <p:nvSpPr>
-          <p:cNvPr id="7" name="TextBox 6">
-            <a:extLst>
-              <a:ext uri="{FF2B5EF4-FFF2-40B4-BE49-F238E27FC236}">
-                <a16:creationId xmlns:a16="http://schemas.microsoft.com/office/drawing/2014/main" id="{B4F23041-DCE8-C8C2-DB5A-301372A297CA}"/>
+          <p:cNvPr id="8" name="TextBox 7">
+            <a:extLst>
+              <a:ext uri="{FF2B5EF4-FFF2-40B4-BE49-F238E27FC236}">
+                <a16:creationId xmlns:a16="http://schemas.microsoft.com/office/drawing/2014/main" id="{0F57FF10-1E76-C4EA-1AA1-065CD4EF97B3}"/>
               </a:ext>
             </a:extLst>
           </p:cNvPr>
@@ -3663,8 +3708,8 @@
         </p:nvSpPr>
         <p:spPr>
           <a:xfrm>
-            <a:off x="3731172" y="4902116"/>
-            <a:ext cx="5391807" cy="923330"/>
+            <a:off x="7791014" y="2456626"/>
+            <a:ext cx="1692166" cy="646331"/>
           </a:xfrm>
           <a:prstGeom prst="rect">
             <a:avLst/>
@@ -3688,7 +3733,125 @@
                   <a:srgbClr val="C00000"/>
                 </a:solidFill>
               </a:rPr>
-              <a:t>Click on the button to see the detailed drugs, diseases, proteins in the network associated with </a:t>
+              <a:t>Choose a class/category</a:t>
+            </a:r>
+          </a:p>
+        </p:txBody>
+      </p:sp>
+      <p:cxnSp>
+        <p:nvCxnSpPr>
+          <p:cNvPr id="9" name="Straight Arrow Connector 8">
+            <a:extLst>
+              <a:ext uri="{FF2B5EF4-FFF2-40B4-BE49-F238E27FC236}">
+                <a16:creationId xmlns:a16="http://schemas.microsoft.com/office/drawing/2014/main" id="{676112A2-3E2D-9345-A692-099BE2CE1ADC}"/>
+              </a:ext>
+            </a:extLst>
+          </p:cNvPr>
+          <p:cNvCxnSpPr>
+            <a:cxnSpLocks/>
+          </p:cNvCxnSpPr>
+          <p:nvPr/>
+        </p:nvCxnSpPr>
+        <p:spPr>
+          <a:xfrm flipV="1">
+            <a:off x="9483180" y="2656268"/>
+            <a:ext cx="924909" cy="138207"/>
+          </a:xfrm>
+          <a:prstGeom prst="straightConnector1">
+            <a:avLst/>
+          </a:prstGeom>
+          <a:ln>
+            <a:solidFill>
+              <a:srgbClr val="C00000"/>
+            </a:solidFill>
+            <a:tailEnd type="triangle"/>
+          </a:ln>
+        </p:spPr>
+        <p:style>
+          <a:lnRef idx="2">
+            <a:schemeClr val="accent1"/>
+          </a:lnRef>
+          <a:fillRef idx="0">
+            <a:schemeClr val="accent1"/>
+          </a:fillRef>
+          <a:effectRef idx="1">
+            <a:schemeClr val="accent1"/>
+          </a:effectRef>
+          <a:fontRef idx="minor">
+            <a:schemeClr val="tx1"/>
+          </a:fontRef>
+        </p:style>
+      </p:cxnSp>
+    </p:spTree>
+    <p:extLst>
+      <p:ext uri="{BB962C8B-B14F-4D97-AF65-F5344CB8AC3E}">
+        <p14:creationId xmlns:p14="http://schemas.microsoft.com/office/powerpoint/2010/main" val="2224896040"/>
+      </p:ext>
+    </p:extLst>
+  </p:cSld>
+  <p:clrMapOvr>
+    <a:masterClrMapping/>
+  </p:clrMapOvr>
+</p:sld>
+</file>
+
+<file path=ppt/slides/slide2.xml><?xml version="1.0" encoding="utf-8"?>
+<p:sld xmlns:a="http://schemas.openxmlformats.org/drawingml/2006/main" xmlns:r="http://schemas.openxmlformats.org/officeDocument/2006/relationships" xmlns:p="http://schemas.openxmlformats.org/presentationml/2006/main">
+  <p:cSld>
+    <p:spTree>
+      <p:nvGrpSpPr>
+        <p:cNvPr id="1" name=""/>
+        <p:cNvGrpSpPr/>
+        <p:nvPr/>
+      </p:nvGrpSpPr>
+      <p:grpSpPr>
+        <a:xfrm>
+          <a:off x="0" y="0"/>
+          <a:ext cx="0" cy="0"/>
+          <a:chOff x="0" y="0"/>
+          <a:chExt cx="0" cy="0"/>
+        </a:xfrm>
+      </p:grpSpPr>
+      <p:sp>
+        <p:nvSpPr>
+          <p:cNvPr id="7" name="TextBox 6">
+            <a:extLst>
+              <a:ext uri="{FF2B5EF4-FFF2-40B4-BE49-F238E27FC236}">
+                <a16:creationId xmlns:a16="http://schemas.microsoft.com/office/drawing/2014/main" id="{B4F23041-DCE8-C8C2-DB5A-301372A297CA}"/>
+              </a:ext>
+            </a:extLst>
+          </p:cNvPr>
+          <p:cNvSpPr txBox="1"/>
+          <p:nvPr/>
+        </p:nvSpPr>
+        <p:spPr>
+          <a:xfrm>
+            <a:off x="440063" y="433228"/>
+            <a:ext cx="3326015" cy="1200329"/>
+          </a:xfrm>
+          <a:prstGeom prst="rect">
+            <a:avLst/>
+          </a:prstGeom>
+          <a:noFill/>
+          <a:ln>
+            <a:solidFill>
+              <a:srgbClr val="C00000"/>
+            </a:solidFill>
+          </a:ln>
+        </p:spPr>
+        <p:txBody>
+          <a:bodyPr wrap="square" rtlCol="0">
+            <a:spAutoFit/>
+          </a:bodyPr>
+          <a:lstStyle/>
+          <a:p>
+            <a:r>
+              <a:rPr lang="en-DK">
+                <a:solidFill>
+                  <a:srgbClr val="C00000"/>
+                </a:solidFill>
+              </a:rPr>
+              <a:t>Click on the button to see the detailed drugs, indications, proteins in the network associated with </a:t>
             </a:r>
             <a:r>
               <a:rPr lang="en-DK" i="1">
@@ -3709,6 +3872,361 @@
           </a:p>
         </p:txBody>
       </p:sp>
+      <p:pic>
+        <p:nvPicPr>
+          <p:cNvPr id="8" name="Picture 7">
+            <a:extLst>
+              <a:ext uri="{FF2B5EF4-FFF2-40B4-BE49-F238E27FC236}">
+                <a16:creationId xmlns:a16="http://schemas.microsoft.com/office/drawing/2014/main" id="{3CB26E65-8E3F-9D7C-7B21-1F4B10C44329}"/>
+              </a:ext>
+            </a:extLst>
+          </p:cNvPr>
+          <p:cNvPicPr>
+            <a:picLocks noChangeAspect="1"/>
+          </p:cNvPicPr>
+          <p:nvPr/>
+        </p:nvPicPr>
+        <p:blipFill>
+          <a:blip r:embed="rId2"/>
+          <a:stretch>
+            <a:fillRect/>
+          </a:stretch>
+        </p:blipFill>
+        <p:spPr>
+          <a:xfrm>
+            <a:off x="440063" y="1916878"/>
+            <a:ext cx="2739071" cy="2960559"/>
+          </a:xfrm>
+          <a:prstGeom prst="rect">
+            <a:avLst/>
+          </a:prstGeom>
+        </p:spPr>
+      </p:pic>
+      <p:cxnSp>
+        <p:nvCxnSpPr>
+          <p:cNvPr id="6" name="Straight Arrow Connector 5">
+            <a:extLst>
+              <a:ext uri="{FF2B5EF4-FFF2-40B4-BE49-F238E27FC236}">
+                <a16:creationId xmlns:a16="http://schemas.microsoft.com/office/drawing/2014/main" id="{15C17D93-0234-29CB-AD1F-A12E50B71465}"/>
+              </a:ext>
+            </a:extLst>
+          </p:cNvPr>
+          <p:cNvCxnSpPr>
+            <a:cxnSpLocks/>
+            <a:stCxn id="7" idx="2"/>
+          </p:cNvCxnSpPr>
+          <p:nvPr/>
+        </p:nvCxnSpPr>
+        <p:spPr>
+          <a:xfrm>
+            <a:off x="2103071" y="1633557"/>
+            <a:ext cx="571763" cy="690899"/>
+          </a:xfrm>
+          <a:prstGeom prst="straightConnector1">
+            <a:avLst/>
+          </a:prstGeom>
+          <a:ln>
+            <a:solidFill>
+              <a:srgbClr val="C00000"/>
+            </a:solidFill>
+            <a:tailEnd type="triangle"/>
+          </a:ln>
+        </p:spPr>
+        <p:style>
+          <a:lnRef idx="2">
+            <a:schemeClr val="accent1"/>
+          </a:lnRef>
+          <a:fillRef idx="0">
+            <a:schemeClr val="accent1"/>
+          </a:fillRef>
+          <a:effectRef idx="1">
+            <a:schemeClr val="accent1"/>
+          </a:effectRef>
+          <a:fontRef idx="minor">
+            <a:schemeClr val="tx1"/>
+          </a:fontRef>
+        </p:style>
+      </p:cxnSp>
+      <p:sp>
+        <p:nvSpPr>
+          <p:cNvPr id="19" name="Right Arrow 18">
+            <a:extLst>
+              <a:ext uri="{FF2B5EF4-FFF2-40B4-BE49-F238E27FC236}">
+                <a16:creationId xmlns:a16="http://schemas.microsoft.com/office/drawing/2014/main" id="{15CBBC13-1E18-35D5-6C99-F917E948914C}"/>
+              </a:ext>
+            </a:extLst>
+          </p:cNvPr>
+          <p:cNvSpPr/>
+          <p:nvPr/>
+        </p:nvSpPr>
+        <p:spPr>
+          <a:xfrm>
+            <a:off x="3089904" y="2847482"/>
+            <a:ext cx="326572" cy="302980"/>
+          </a:xfrm>
+          <a:prstGeom prst="rightArrow">
+            <a:avLst/>
+          </a:prstGeom>
+          <a:solidFill>
+            <a:schemeClr val="bg1">
+              <a:lumMod val="65000"/>
+            </a:schemeClr>
+          </a:solidFill>
+          <a:ln>
+            <a:solidFill>
+              <a:schemeClr val="bg1">
+                <a:lumMod val="65000"/>
+              </a:schemeClr>
+            </a:solidFill>
+          </a:ln>
+        </p:spPr>
+        <p:style>
+          <a:lnRef idx="2">
+            <a:schemeClr val="accent1">
+              <a:shade val="15000"/>
+            </a:schemeClr>
+          </a:lnRef>
+          <a:fillRef idx="1">
+            <a:schemeClr val="accent1"/>
+          </a:fillRef>
+          <a:effectRef idx="0">
+            <a:schemeClr val="accent1"/>
+          </a:effectRef>
+          <a:fontRef idx="minor">
+            <a:schemeClr val="lt1"/>
+          </a:fontRef>
+        </p:style>
+        <p:txBody>
+          <a:bodyPr rtlCol="0" anchor="ctr"/>
+          <a:lstStyle/>
+          <a:p>
+            <a:pPr algn="ctr"/>
+            <a:endParaRPr lang="en-DK"/>
+          </a:p>
+        </p:txBody>
+      </p:sp>
+      <p:sp>
+        <p:nvSpPr>
+          <p:cNvPr id="20" name="TextBox 19">
+            <a:extLst>
+              <a:ext uri="{FF2B5EF4-FFF2-40B4-BE49-F238E27FC236}">
+                <a16:creationId xmlns:a16="http://schemas.microsoft.com/office/drawing/2014/main" id="{2C5E1F3F-5936-7A37-3E64-42F072043D7E}"/>
+              </a:ext>
+            </a:extLst>
+          </p:cNvPr>
+          <p:cNvSpPr txBox="1"/>
+          <p:nvPr/>
+        </p:nvSpPr>
+        <p:spPr>
+          <a:xfrm>
+            <a:off x="5651573" y="433227"/>
+            <a:ext cx="3326015" cy="923330"/>
+          </a:xfrm>
+          <a:prstGeom prst="rect">
+            <a:avLst/>
+          </a:prstGeom>
+          <a:noFill/>
+          <a:ln>
+            <a:solidFill>
+              <a:srgbClr val="C00000"/>
+            </a:solidFill>
+          </a:ln>
+        </p:spPr>
+        <p:txBody>
+          <a:bodyPr wrap="square" rtlCol="0">
+            <a:spAutoFit/>
+          </a:bodyPr>
+          <a:lstStyle/>
+          <a:p>
+            <a:r>
+              <a:rPr lang="en-GB">
+                <a:solidFill>
+                  <a:srgbClr val="C00000"/>
+                </a:solidFill>
+              </a:rPr>
+              <a:t>Overview table that lists drugs linked to the </a:t>
+            </a:r>
+            <a:r>
+              <a:rPr lang="en-GB" i="1">
+                <a:solidFill>
+                  <a:srgbClr val="C00000"/>
+                </a:solidFill>
+              </a:rPr>
+              <a:t>M01</a:t>
+            </a:r>
+            <a:r>
+              <a:rPr lang="en-GB">
+                <a:solidFill>
+                  <a:srgbClr val="C00000"/>
+                </a:solidFill>
+              </a:rPr>
+              <a:t> and its related subcodes </a:t>
+            </a:r>
+          </a:p>
+        </p:txBody>
+      </p:sp>
+      <p:cxnSp>
+        <p:nvCxnSpPr>
+          <p:cNvPr id="21" name="Straight Arrow Connector 20">
+            <a:extLst>
+              <a:ext uri="{FF2B5EF4-FFF2-40B4-BE49-F238E27FC236}">
+                <a16:creationId xmlns:a16="http://schemas.microsoft.com/office/drawing/2014/main" id="{E1B4A01B-980F-037E-8011-FB7DE3C16D07}"/>
+              </a:ext>
+            </a:extLst>
+          </p:cNvPr>
+          <p:cNvCxnSpPr>
+            <a:cxnSpLocks/>
+          </p:cNvCxnSpPr>
+          <p:nvPr/>
+        </p:nvCxnSpPr>
+        <p:spPr>
+          <a:xfrm>
+            <a:off x="7314580" y="1356557"/>
+            <a:ext cx="0" cy="560321"/>
+          </a:xfrm>
+          <a:prstGeom prst="straightConnector1">
+            <a:avLst/>
+          </a:prstGeom>
+          <a:ln>
+            <a:solidFill>
+              <a:srgbClr val="C00000"/>
+            </a:solidFill>
+            <a:tailEnd type="triangle"/>
+          </a:ln>
+        </p:spPr>
+        <p:style>
+          <a:lnRef idx="2">
+            <a:schemeClr val="accent1"/>
+          </a:lnRef>
+          <a:fillRef idx="0">
+            <a:schemeClr val="accent1"/>
+          </a:fillRef>
+          <a:effectRef idx="1">
+            <a:schemeClr val="accent1"/>
+          </a:effectRef>
+          <a:fontRef idx="minor">
+            <a:schemeClr val="tx1"/>
+          </a:fontRef>
+        </p:style>
+      </p:cxnSp>
+      <p:pic>
+        <p:nvPicPr>
+          <p:cNvPr id="24" name="Picture 23">
+            <a:extLst>
+              <a:ext uri="{FF2B5EF4-FFF2-40B4-BE49-F238E27FC236}">
+                <a16:creationId xmlns:a16="http://schemas.microsoft.com/office/drawing/2014/main" id="{E202CEB9-7E6B-7387-6DAC-E42960CCD1A8}"/>
+              </a:ext>
+            </a:extLst>
+          </p:cNvPr>
+          <p:cNvPicPr>
+            <a:picLocks noChangeAspect="1"/>
+          </p:cNvPicPr>
+          <p:nvPr/>
+        </p:nvPicPr>
+        <p:blipFill>
+          <a:blip r:embed="rId3"/>
+          <a:stretch>
+            <a:fillRect/>
+          </a:stretch>
+        </p:blipFill>
+        <p:spPr>
+          <a:xfrm>
+            <a:off x="3876230" y="1916878"/>
+            <a:ext cx="7772400" cy="3334802"/>
+          </a:xfrm>
+          <a:prstGeom prst="rect">
+            <a:avLst/>
+          </a:prstGeom>
+        </p:spPr>
+      </p:pic>
+      <p:sp>
+        <p:nvSpPr>
+          <p:cNvPr id="25" name="TextBox 24">
+            <a:extLst>
+              <a:ext uri="{FF2B5EF4-FFF2-40B4-BE49-F238E27FC236}">
+                <a16:creationId xmlns:a16="http://schemas.microsoft.com/office/drawing/2014/main" id="{98E63DFD-B50A-6C67-F24B-7619BB8594D6}"/>
+              </a:ext>
+            </a:extLst>
+          </p:cNvPr>
+          <p:cNvSpPr txBox="1"/>
+          <p:nvPr/>
+        </p:nvSpPr>
+        <p:spPr>
+          <a:xfrm>
+            <a:off x="5932160" y="5730195"/>
+            <a:ext cx="4023690" cy="923330"/>
+          </a:xfrm>
+          <a:prstGeom prst="rect">
+            <a:avLst/>
+          </a:prstGeom>
+          <a:noFill/>
+          <a:ln>
+            <a:solidFill>
+              <a:srgbClr val="C00000"/>
+            </a:solidFill>
+          </a:ln>
+        </p:spPr>
+        <p:txBody>
+          <a:bodyPr wrap="square" rtlCol="0">
+            <a:spAutoFit/>
+          </a:bodyPr>
+          <a:lstStyle/>
+          <a:p>
+            <a:r>
+              <a:rPr lang="en-GB">
+                <a:solidFill>
+                  <a:srgbClr val="C00000"/>
+                </a:solidFill>
+              </a:rPr>
+              <a:t>Beneath the table is 5 tabs show different aspect of M01 network with network visualization set as default</a:t>
+            </a:r>
+          </a:p>
+        </p:txBody>
+      </p:sp>
+      <p:cxnSp>
+        <p:nvCxnSpPr>
+          <p:cNvPr id="26" name="Straight Arrow Connector 25">
+            <a:extLst>
+              <a:ext uri="{FF2B5EF4-FFF2-40B4-BE49-F238E27FC236}">
+                <a16:creationId xmlns:a16="http://schemas.microsoft.com/office/drawing/2014/main" id="{80223D2A-2076-3D38-C346-E36333B6DC9D}"/>
+              </a:ext>
+            </a:extLst>
+          </p:cNvPr>
+          <p:cNvCxnSpPr>
+            <a:cxnSpLocks/>
+          </p:cNvCxnSpPr>
+          <p:nvPr/>
+        </p:nvCxnSpPr>
+        <p:spPr>
+          <a:xfrm flipH="1" flipV="1">
+            <a:off x="4845465" y="5251680"/>
+            <a:ext cx="1250535" cy="478515"/>
+          </a:xfrm>
+          <a:prstGeom prst="straightConnector1">
+            <a:avLst/>
+          </a:prstGeom>
+          <a:ln>
+            <a:solidFill>
+              <a:srgbClr val="C00000"/>
+            </a:solidFill>
+            <a:tailEnd type="triangle"/>
+          </a:ln>
+        </p:spPr>
+        <p:style>
+          <a:lnRef idx="2">
+            <a:schemeClr val="accent1"/>
+          </a:lnRef>
+          <a:fillRef idx="0">
+            <a:schemeClr val="accent1"/>
+          </a:fillRef>
+          <a:effectRef idx="1">
+            <a:schemeClr val="accent1"/>
+          </a:effectRef>
+          <a:fontRef idx="minor">
+            <a:schemeClr val="tx1"/>
+          </a:fontRef>
+        </p:style>
+      </p:cxnSp>
     </p:spTree>
     <p:extLst>
       <p:ext uri="{BB962C8B-B14F-4D97-AF65-F5344CB8AC3E}">
@@ -3741,10 +4259,10 @@
       </p:grpSpPr>
       <p:pic>
         <p:nvPicPr>
-          <p:cNvPr id="5" name="Picture 4" descr="A screenshot of a computer&#10;&#10;Description automatically generated">
-            <a:extLst>
-              <a:ext uri="{FF2B5EF4-FFF2-40B4-BE49-F238E27FC236}">
-                <a16:creationId xmlns:a16="http://schemas.microsoft.com/office/drawing/2014/main" id="{525FA1D0-F08A-F5D3-6F54-F36FCF77092C}"/>
+          <p:cNvPr id="4" name="Picture 3">
+            <a:extLst>
+              <a:ext uri="{FF2B5EF4-FFF2-40B4-BE49-F238E27FC236}">
+                <a16:creationId xmlns:a16="http://schemas.microsoft.com/office/drawing/2014/main" id="{BC80E4BD-0570-0A77-A72F-DBD897561B78}"/>
               </a:ext>
             </a:extLst>
           </p:cNvPr>
@@ -3761,32 +4279,305 @@
         </p:blipFill>
         <p:spPr>
           <a:xfrm>
-            <a:off x="1955800" y="946150"/>
-            <a:ext cx="7772400" cy="4661055"/>
+            <a:off x="266601" y="1750063"/>
+            <a:ext cx="2951051" cy="3176814"/>
           </a:xfrm>
           <a:prstGeom prst="rect">
             <a:avLst/>
           </a:prstGeom>
         </p:spPr>
       </p:pic>
+      <p:pic>
+        <p:nvPicPr>
+          <p:cNvPr id="5" name="Picture 4">
+            <a:extLst>
+              <a:ext uri="{FF2B5EF4-FFF2-40B4-BE49-F238E27FC236}">
+                <a16:creationId xmlns:a16="http://schemas.microsoft.com/office/drawing/2014/main" id="{98DB7F73-D9D0-B5FB-004D-BD2B00D5325D}"/>
+              </a:ext>
+            </a:extLst>
+          </p:cNvPr>
+          <p:cNvPicPr>
+            <a:picLocks noChangeAspect="1"/>
+          </p:cNvPicPr>
+          <p:nvPr/>
+        </p:nvPicPr>
+        <p:blipFill>
+          <a:blip r:embed="rId3"/>
+          <a:stretch>
+            <a:fillRect/>
+          </a:stretch>
+        </p:blipFill>
+        <p:spPr>
+          <a:xfrm>
+            <a:off x="4098373" y="1750063"/>
+            <a:ext cx="7772400" cy="4421425"/>
+          </a:xfrm>
+          <a:prstGeom prst="rect">
+            <a:avLst/>
+          </a:prstGeom>
+          <a:ln>
+            <a:solidFill>
+              <a:schemeClr val="bg1">
+                <a:lumMod val="50000"/>
+              </a:schemeClr>
+            </a:solidFill>
+          </a:ln>
+        </p:spPr>
+      </p:pic>
+      <p:sp>
+        <p:nvSpPr>
+          <p:cNvPr id="6" name="Right Arrow 5">
+            <a:extLst>
+              <a:ext uri="{FF2B5EF4-FFF2-40B4-BE49-F238E27FC236}">
+                <a16:creationId xmlns:a16="http://schemas.microsoft.com/office/drawing/2014/main" id="{CF4EB361-3BC3-FAF6-181E-68555F77E32B}"/>
+              </a:ext>
+            </a:extLst>
+          </p:cNvPr>
+          <p:cNvSpPr/>
+          <p:nvPr/>
+        </p:nvSpPr>
+        <p:spPr>
+          <a:xfrm>
+            <a:off x="3316990" y="3035490"/>
+            <a:ext cx="326572" cy="302980"/>
+          </a:xfrm>
+          <a:prstGeom prst="rightArrow">
+            <a:avLst/>
+          </a:prstGeom>
+          <a:solidFill>
+            <a:schemeClr val="bg1">
+              <a:lumMod val="65000"/>
+            </a:schemeClr>
+          </a:solidFill>
+          <a:ln>
+            <a:solidFill>
+              <a:schemeClr val="bg1">
+                <a:lumMod val="65000"/>
+              </a:schemeClr>
+            </a:solidFill>
+          </a:ln>
+        </p:spPr>
+        <p:style>
+          <a:lnRef idx="2">
+            <a:schemeClr val="accent1">
+              <a:shade val="15000"/>
+            </a:schemeClr>
+          </a:lnRef>
+          <a:fillRef idx="1">
+            <a:schemeClr val="accent1"/>
+          </a:fillRef>
+          <a:effectRef idx="0">
+            <a:schemeClr val="accent1"/>
+          </a:effectRef>
+          <a:fontRef idx="minor">
+            <a:schemeClr val="lt1"/>
+          </a:fontRef>
+        </p:style>
+        <p:txBody>
+          <a:bodyPr rtlCol="0" anchor="ctr"/>
+          <a:lstStyle/>
+          <a:p>
+            <a:pPr algn="ctr"/>
+            <a:endParaRPr lang="en-DK"/>
+          </a:p>
+        </p:txBody>
+      </p:sp>
+      <p:sp>
+        <p:nvSpPr>
+          <p:cNvPr id="7" name="TextBox 6">
+            <a:extLst>
+              <a:ext uri="{FF2B5EF4-FFF2-40B4-BE49-F238E27FC236}">
+                <a16:creationId xmlns:a16="http://schemas.microsoft.com/office/drawing/2014/main" id="{02E828F9-980F-360C-CEEA-84D198640D34}"/>
+              </a:ext>
+            </a:extLst>
+          </p:cNvPr>
+          <p:cNvSpPr txBox="1"/>
+          <p:nvPr/>
+        </p:nvSpPr>
+        <p:spPr>
+          <a:xfrm>
+            <a:off x="4098373" y="409013"/>
+            <a:ext cx="3832124" cy="923330"/>
+          </a:xfrm>
+          <a:prstGeom prst="rect">
+            <a:avLst/>
+          </a:prstGeom>
+          <a:noFill/>
+          <a:ln>
+            <a:solidFill>
+              <a:srgbClr val="C00000"/>
+            </a:solidFill>
+          </a:ln>
+        </p:spPr>
+        <p:txBody>
+          <a:bodyPr wrap="square" rtlCol="0">
+            <a:spAutoFit/>
+          </a:bodyPr>
+          <a:lstStyle/>
+          <a:p>
+            <a:r>
+              <a:rPr lang="en-DK">
+                <a:solidFill>
+                  <a:srgbClr val="C00000"/>
+                </a:solidFill>
+              </a:rPr>
+              <a:t>Use control buttons to zoom in/out, redraw or export it to image or csv format file</a:t>
+            </a:r>
+          </a:p>
+        </p:txBody>
+      </p:sp>
+      <p:sp>
+        <p:nvSpPr>
+          <p:cNvPr id="9" name="TextBox 8">
+            <a:extLst>
+              <a:ext uri="{FF2B5EF4-FFF2-40B4-BE49-F238E27FC236}">
+                <a16:creationId xmlns:a16="http://schemas.microsoft.com/office/drawing/2014/main" id="{A6ABB3FC-6235-2EB0-343A-31315281468B}"/>
+              </a:ext>
+            </a:extLst>
+          </p:cNvPr>
+          <p:cNvSpPr txBox="1"/>
+          <p:nvPr/>
+        </p:nvSpPr>
+        <p:spPr>
+          <a:xfrm>
+            <a:off x="8540048" y="409013"/>
+            <a:ext cx="2565210" cy="369332"/>
+          </a:xfrm>
+          <a:prstGeom prst="rect">
+            <a:avLst/>
+          </a:prstGeom>
+          <a:noFill/>
+          <a:ln>
+            <a:solidFill>
+              <a:srgbClr val="C00000"/>
+            </a:solidFill>
+          </a:ln>
+        </p:spPr>
+        <p:txBody>
+          <a:bodyPr wrap="square">
+            <a:spAutoFit/>
+          </a:bodyPr>
+          <a:lstStyle/>
+          <a:p>
+            <a:r>
+              <a:rPr lang="en-DK">
+                <a:solidFill>
+                  <a:srgbClr val="C00000"/>
+                </a:solidFill>
+              </a:rPr>
+              <a:t>See parts of the network</a:t>
+            </a:r>
+            <a:endParaRPr lang="en-DK"/>
+          </a:p>
+        </p:txBody>
+      </p:sp>
+      <p:sp>
+        <p:nvSpPr>
+          <p:cNvPr id="10" name="TextBox 9">
+            <a:extLst>
+              <a:ext uri="{FF2B5EF4-FFF2-40B4-BE49-F238E27FC236}">
+                <a16:creationId xmlns:a16="http://schemas.microsoft.com/office/drawing/2014/main" id="{ACED0E2C-E570-3EAB-675F-8AEC6E031690}"/>
+              </a:ext>
+            </a:extLst>
+          </p:cNvPr>
+          <p:cNvSpPr txBox="1"/>
+          <p:nvPr/>
+        </p:nvSpPr>
+        <p:spPr>
+          <a:xfrm>
+            <a:off x="323758" y="825252"/>
+            <a:ext cx="1727233" cy="369332"/>
+          </a:xfrm>
+          <a:prstGeom prst="rect">
+            <a:avLst/>
+          </a:prstGeom>
+          <a:noFill/>
+          <a:ln>
+            <a:solidFill>
+              <a:srgbClr val="C00000"/>
+            </a:solidFill>
+          </a:ln>
+        </p:spPr>
+        <p:txBody>
+          <a:bodyPr wrap="square" rtlCol="0">
+            <a:spAutoFit/>
+          </a:bodyPr>
+          <a:lstStyle/>
+          <a:p>
+            <a:r>
+              <a:rPr lang="en-DK">
+                <a:solidFill>
+                  <a:srgbClr val="C00000"/>
+                </a:solidFill>
+              </a:rPr>
+              <a:t>Choose filters</a:t>
+            </a:r>
+          </a:p>
+        </p:txBody>
+      </p:sp>
+      <p:sp>
+        <p:nvSpPr>
+          <p:cNvPr id="11" name="TextBox 10">
+            <a:extLst>
+              <a:ext uri="{FF2B5EF4-FFF2-40B4-BE49-F238E27FC236}">
+                <a16:creationId xmlns:a16="http://schemas.microsoft.com/office/drawing/2014/main" id="{69869013-2E11-295D-90E1-F90C129EBAE0}"/>
+              </a:ext>
+            </a:extLst>
+          </p:cNvPr>
+          <p:cNvSpPr txBox="1"/>
+          <p:nvPr/>
+        </p:nvSpPr>
+        <p:spPr>
+          <a:xfrm>
+            <a:off x="9699478" y="6354383"/>
+            <a:ext cx="2171296" cy="369332"/>
+          </a:xfrm>
+          <a:prstGeom prst="rect">
+            <a:avLst/>
+          </a:prstGeom>
+          <a:noFill/>
+          <a:ln>
+            <a:solidFill>
+              <a:srgbClr val="C00000"/>
+            </a:solidFill>
+          </a:ln>
+        </p:spPr>
+        <p:txBody>
+          <a:bodyPr wrap="square" rtlCol="0">
+            <a:spAutoFit/>
+          </a:bodyPr>
+          <a:lstStyle/>
+          <a:p>
+            <a:r>
+              <a:rPr lang="en-DK">
+                <a:solidFill>
+                  <a:srgbClr val="C00000"/>
+                </a:solidFill>
+              </a:rPr>
+              <a:t>Change filters</a:t>
+            </a:r>
+          </a:p>
+        </p:txBody>
+      </p:sp>
       <p:cxnSp>
         <p:nvCxnSpPr>
-          <p:cNvPr id="6" name="Straight Arrow Connector 5">
-            <a:extLst>
-              <a:ext uri="{FF2B5EF4-FFF2-40B4-BE49-F238E27FC236}">
-                <a16:creationId xmlns:a16="http://schemas.microsoft.com/office/drawing/2014/main" id="{3A1F8D78-D796-E02C-D4AC-784AB7C0A5D3}"/>
+          <p:cNvPr id="12" name="Straight Arrow Connector 11">
+            <a:extLst>
+              <a:ext uri="{FF2B5EF4-FFF2-40B4-BE49-F238E27FC236}">
+                <a16:creationId xmlns:a16="http://schemas.microsoft.com/office/drawing/2014/main" id="{6B3436A5-83EA-17FA-ADBE-A58EF124160D}"/>
               </a:ext>
             </a:extLst>
           </p:cNvPr>
           <p:cNvCxnSpPr>
             <a:cxnSpLocks/>
+            <a:stCxn id="10" idx="2"/>
           </p:cNvCxnSpPr>
           <p:nvPr/>
         </p:nvCxnSpPr>
         <p:spPr>
           <a:xfrm>
-            <a:off x="7346731" y="815891"/>
-            <a:ext cx="1135117" cy="2379254"/>
+            <a:off x="1187375" y="1194584"/>
+            <a:ext cx="393597" cy="555479"/>
           </a:xfrm>
           <a:prstGeom prst="straightConnector1">
             <a:avLst/>
@@ -3813,100 +4604,12 @@
           </a:fontRef>
         </p:style>
       </p:cxnSp>
-      <p:sp>
-        <p:nvSpPr>
-          <p:cNvPr id="7" name="TextBox 6">
-            <a:extLst>
-              <a:ext uri="{FF2B5EF4-FFF2-40B4-BE49-F238E27FC236}">
-                <a16:creationId xmlns:a16="http://schemas.microsoft.com/office/drawing/2014/main" id="{E1CA318C-6B65-EA93-828A-37ACFEFE0C80}"/>
-              </a:ext>
-            </a:extLst>
-          </p:cNvPr>
-          <p:cNvSpPr txBox="1"/>
-          <p:nvPr/>
-        </p:nvSpPr>
-        <p:spPr>
-          <a:xfrm>
-            <a:off x="4640317" y="166340"/>
-            <a:ext cx="4125311" cy="646331"/>
-          </a:xfrm>
-          <a:prstGeom prst="rect">
-            <a:avLst/>
-          </a:prstGeom>
-          <a:noFill/>
-          <a:ln>
-            <a:solidFill>
-              <a:srgbClr val="C00000"/>
-            </a:solidFill>
-          </a:ln>
-        </p:spPr>
-        <p:txBody>
-          <a:bodyPr wrap="square" rtlCol="0">
-            <a:spAutoFit/>
-          </a:bodyPr>
-          <a:lstStyle/>
-          <a:p>
-            <a:r>
-              <a:rPr lang="en-DK">
-                <a:solidFill>
-                  <a:srgbClr val="C00000"/>
-                </a:solidFill>
-              </a:rPr>
-              <a:t>Click or unclick on an legend items to apply or remove filters</a:t>
-            </a:r>
-          </a:p>
-        </p:txBody>
-      </p:sp>
-      <p:sp>
-        <p:nvSpPr>
-          <p:cNvPr id="11" name="TextBox 10">
-            <a:extLst>
-              <a:ext uri="{FF2B5EF4-FFF2-40B4-BE49-F238E27FC236}">
-                <a16:creationId xmlns:a16="http://schemas.microsoft.com/office/drawing/2014/main" id="{47478C2B-46EB-DBAA-22B0-5E5360788CAE}"/>
-              </a:ext>
-            </a:extLst>
-          </p:cNvPr>
-          <p:cNvSpPr txBox="1"/>
-          <p:nvPr/>
-        </p:nvSpPr>
-        <p:spPr>
-          <a:xfrm>
-            <a:off x="4033344" y="5725833"/>
-            <a:ext cx="4125311" cy="923330"/>
-          </a:xfrm>
-          <a:prstGeom prst="rect">
-            <a:avLst/>
-          </a:prstGeom>
-          <a:noFill/>
-          <a:ln>
-            <a:solidFill>
-              <a:srgbClr val="C00000"/>
-            </a:solidFill>
-          </a:ln>
-        </p:spPr>
-        <p:txBody>
-          <a:bodyPr wrap="square" rtlCol="0">
-            <a:spAutoFit/>
-          </a:bodyPr>
-          <a:lstStyle/>
-          <a:p>
-            <a:r>
-              <a:rPr lang="en-DK">
-                <a:solidFill>
-                  <a:srgbClr val="C00000"/>
-                </a:solidFill>
-              </a:rPr>
-              <a:t>Use control buttons to zoom in/out, redraw, see hidden parts of the network or export it to image or csv format file</a:t>
-            </a:r>
-          </a:p>
-        </p:txBody>
-      </p:sp>
       <p:cxnSp>
         <p:nvCxnSpPr>
-          <p:cNvPr id="12" name="Straight Arrow Connector 11">
-            <a:extLst>
-              <a:ext uri="{FF2B5EF4-FFF2-40B4-BE49-F238E27FC236}">
-                <a16:creationId xmlns:a16="http://schemas.microsoft.com/office/drawing/2014/main" id="{021FF07E-E12B-D4D5-BAAF-5150D49700E2}"/>
+          <p:cNvPr id="15" name="Straight Arrow Connector 14">
+            <a:extLst>
+              <a:ext uri="{FF2B5EF4-FFF2-40B4-BE49-F238E27FC236}">
+                <a16:creationId xmlns:a16="http://schemas.microsoft.com/office/drawing/2014/main" id="{A09B34F8-FC24-5E0B-E481-204F135A42C7}"/>
               </a:ext>
             </a:extLst>
           </p:cNvPr>
@@ -3916,9 +4619,142 @@
           <p:nvPr/>
         </p:nvCxnSpPr>
         <p:spPr>
-          <a:xfrm flipH="1" flipV="1">
-            <a:off x="4640317" y="5381297"/>
-            <a:ext cx="278524" cy="344536"/>
+          <a:xfrm flipH="1">
+            <a:off x="4857620" y="1332343"/>
+            <a:ext cx="300670" cy="417720"/>
+          </a:xfrm>
+          <a:prstGeom prst="straightConnector1">
+            <a:avLst/>
+          </a:prstGeom>
+          <a:ln>
+            <a:solidFill>
+              <a:srgbClr val="C00000"/>
+            </a:solidFill>
+            <a:tailEnd type="triangle"/>
+          </a:ln>
+        </p:spPr>
+        <p:style>
+          <a:lnRef idx="2">
+            <a:schemeClr val="accent1"/>
+          </a:lnRef>
+          <a:fillRef idx="0">
+            <a:schemeClr val="accent1"/>
+          </a:fillRef>
+          <a:effectRef idx="1">
+            <a:schemeClr val="accent1"/>
+          </a:effectRef>
+          <a:fontRef idx="minor">
+            <a:schemeClr val="tx1"/>
+          </a:fontRef>
+        </p:style>
+      </p:cxnSp>
+      <p:cxnSp>
+        <p:nvCxnSpPr>
+          <p:cNvPr id="18" name="Straight Arrow Connector 17">
+            <a:extLst>
+              <a:ext uri="{FF2B5EF4-FFF2-40B4-BE49-F238E27FC236}">
+                <a16:creationId xmlns:a16="http://schemas.microsoft.com/office/drawing/2014/main" id="{707379F5-A1E8-BF9C-CF37-F63B5B909688}"/>
+              </a:ext>
+            </a:extLst>
+          </p:cNvPr>
+          <p:cNvCxnSpPr>
+            <a:cxnSpLocks/>
+          </p:cNvCxnSpPr>
+          <p:nvPr/>
+        </p:nvCxnSpPr>
+        <p:spPr>
+          <a:xfrm flipH="1">
+            <a:off x="8966422" y="778345"/>
+            <a:ext cx="382677" cy="971718"/>
+          </a:xfrm>
+          <a:prstGeom prst="straightConnector1">
+            <a:avLst/>
+          </a:prstGeom>
+          <a:ln>
+            <a:solidFill>
+              <a:srgbClr val="C00000"/>
+            </a:solidFill>
+            <a:tailEnd type="triangle"/>
+          </a:ln>
+        </p:spPr>
+        <p:style>
+          <a:lnRef idx="2">
+            <a:schemeClr val="accent1"/>
+          </a:lnRef>
+          <a:fillRef idx="0">
+            <a:schemeClr val="accent1"/>
+          </a:fillRef>
+          <a:effectRef idx="1">
+            <a:schemeClr val="accent1"/>
+          </a:effectRef>
+          <a:fontRef idx="minor">
+            <a:schemeClr val="tx1"/>
+          </a:fontRef>
+        </p:style>
+      </p:cxnSp>
+      <p:cxnSp>
+        <p:nvCxnSpPr>
+          <p:cNvPr id="20" name="Straight Arrow Connector 19">
+            <a:extLst>
+              <a:ext uri="{FF2B5EF4-FFF2-40B4-BE49-F238E27FC236}">
+                <a16:creationId xmlns:a16="http://schemas.microsoft.com/office/drawing/2014/main" id="{7A587CA7-0F0F-317E-D15F-83F33A490B63}"/>
+              </a:ext>
+            </a:extLst>
+          </p:cNvPr>
+          <p:cNvCxnSpPr>
+            <a:cxnSpLocks/>
+          </p:cNvCxnSpPr>
+          <p:nvPr/>
+        </p:nvCxnSpPr>
+        <p:spPr>
+          <a:xfrm flipH="1">
+            <a:off x="7375021" y="778345"/>
+            <a:ext cx="1436197" cy="971718"/>
+          </a:xfrm>
+          <a:prstGeom prst="straightConnector1">
+            <a:avLst/>
+          </a:prstGeom>
+          <a:ln>
+            <a:solidFill>
+              <a:srgbClr val="C00000"/>
+            </a:solidFill>
+            <a:tailEnd type="triangle"/>
+          </a:ln>
+        </p:spPr>
+        <p:style>
+          <a:lnRef idx="2">
+            <a:schemeClr val="accent1"/>
+          </a:lnRef>
+          <a:fillRef idx="0">
+            <a:schemeClr val="accent1"/>
+          </a:fillRef>
+          <a:effectRef idx="1">
+            <a:schemeClr val="accent1"/>
+          </a:effectRef>
+          <a:fontRef idx="minor">
+            <a:schemeClr val="tx1"/>
+          </a:fontRef>
+        </p:style>
+      </p:cxnSp>
+      <p:cxnSp>
+        <p:nvCxnSpPr>
+          <p:cNvPr id="27" name="Straight Arrow Connector 26">
+            <a:extLst>
+              <a:ext uri="{FF2B5EF4-FFF2-40B4-BE49-F238E27FC236}">
+                <a16:creationId xmlns:a16="http://schemas.microsoft.com/office/drawing/2014/main" id="{F817F2D4-8F72-3DBB-B6FF-88F4BBE842E5}"/>
+              </a:ext>
+            </a:extLst>
+          </p:cNvPr>
+          <p:cNvCxnSpPr>
+            <a:cxnSpLocks/>
+            <a:stCxn id="11" idx="0"/>
+          </p:cNvCxnSpPr>
+          <p:nvPr/>
+        </p:nvCxnSpPr>
+        <p:spPr>
+          <a:xfrm flipV="1">
+            <a:off x="10785126" y="5366759"/>
+            <a:ext cx="320132" cy="987624"/>
           </a:xfrm>
           <a:prstGeom prst="straightConnector1">
             <a:avLst/>
@@ -3948,7 +4784,7 @@
     </p:spTree>
     <p:extLst>
       <p:ext uri="{BB962C8B-B14F-4D97-AF65-F5344CB8AC3E}">
-        <p14:creationId xmlns:p14="http://schemas.microsoft.com/office/powerpoint/2010/main" val="2902383443"/>
+        <p14:creationId xmlns:p14="http://schemas.microsoft.com/office/powerpoint/2010/main" val="249326532"/>
       </p:ext>
     </p:extLst>
   </p:cSld>
@@ -3975,160 +4811,12 @@
           <a:chExt cx="0" cy="0"/>
         </a:xfrm>
       </p:grpSpPr>
-      <p:sp>
-        <p:nvSpPr>
-          <p:cNvPr id="4" name="TextBox 3">
-            <a:extLst>
-              <a:ext uri="{FF2B5EF4-FFF2-40B4-BE49-F238E27FC236}">
-                <a16:creationId xmlns:a16="http://schemas.microsoft.com/office/drawing/2014/main" id="{D439A001-75F9-5B52-A4B0-CBC7306BA498}"/>
-              </a:ext>
-            </a:extLst>
-          </p:cNvPr>
-          <p:cNvSpPr txBox="1"/>
-          <p:nvPr/>
-        </p:nvSpPr>
-        <p:spPr>
-          <a:xfrm>
-            <a:off x="2477813" y="5228021"/>
-            <a:ext cx="4125311" cy="1200329"/>
-          </a:xfrm>
-          <a:prstGeom prst="rect">
-            <a:avLst/>
-          </a:prstGeom>
-          <a:noFill/>
-          <a:ln>
-            <a:solidFill>
-              <a:srgbClr val="C00000"/>
-            </a:solidFill>
-          </a:ln>
-        </p:spPr>
-        <p:txBody>
-          <a:bodyPr wrap="square" rtlCol="0">
-            <a:spAutoFit/>
-          </a:bodyPr>
-          <a:lstStyle/>
-          <a:p>
-            <a:r>
-              <a:rPr lang="en-DK">
-                <a:solidFill>
-                  <a:srgbClr val="C00000"/>
-                </a:solidFill>
-              </a:rPr>
-              <a:t>A drug can have no, one or more than one assigned ATC code. Click here to open the ATC code network for more detailed information</a:t>
-            </a:r>
-          </a:p>
-        </p:txBody>
-      </p:sp>
-      <p:sp>
-        <p:nvSpPr>
-          <p:cNvPr id="7" name="TextBox 6">
-            <a:extLst>
-              <a:ext uri="{FF2B5EF4-FFF2-40B4-BE49-F238E27FC236}">
-                <a16:creationId xmlns:a16="http://schemas.microsoft.com/office/drawing/2014/main" id="{AAEE22A6-51DA-6136-8693-D0C7CF0C39C2}"/>
-              </a:ext>
-            </a:extLst>
-          </p:cNvPr>
-          <p:cNvSpPr txBox="1"/>
-          <p:nvPr/>
-        </p:nvSpPr>
-        <p:spPr>
-          <a:xfrm>
-            <a:off x="8266795" y="5333562"/>
-            <a:ext cx="2519855" cy="646331"/>
-          </a:xfrm>
-          <a:prstGeom prst="rect">
-            <a:avLst/>
-          </a:prstGeom>
-          <a:noFill/>
-          <a:ln>
-            <a:solidFill>
-              <a:srgbClr val="C00000"/>
-            </a:solidFill>
-          </a:ln>
-        </p:spPr>
-        <p:txBody>
-          <a:bodyPr wrap="square" rtlCol="0">
-            <a:spAutoFit/>
-          </a:bodyPr>
-          <a:lstStyle/>
-          <a:p>
-            <a:r>
-              <a:rPr lang="en-DK">
-                <a:solidFill>
-                  <a:srgbClr val="C00000"/>
-                </a:solidFill>
-              </a:rPr>
-              <a:t>Click here to see drug adverse reaction</a:t>
-            </a:r>
-          </a:p>
-        </p:txBody>
-      </p:sp>
-      <p:sp>
-        <p:nvSpPr>
-          <p:cNvPr id="15" name="TextBox 14">
-            <a:extLst>
-              <a:ext uri="{FF2B5EF4-FFF2-40B4-BE49-F238E27FC236}">
-                <a16:creationId xmlns:a16="http://schemas.microsoft.com/office/drawing/2014/main" id="{007D3E2D-F941-3048-A2F5-06CF6EB8D6C5}"/>
-              </a:ext>
-            </a:extLst>
-          </p:cNvPr>
-          <p:cNvSpPr txBox="1"/>
-          <p:nvPr/>
-        </p:nvSpPr>
-        <p:spPr>
-          <a:xfrm>
-            <a:off x="4162097" y="559068"/>
-            <a:ext cx="5364626" cy="923330"/>
-          </a:xfrm>
-          <a:prstGeom prst="rect">
-            <a:avLst/>
-          </a:prstGeom>
-          <a:noFill/>
-          <a:ln>
-            <a:solidFill>
-              <a:srgbClr val="C00000"/>
-            </a:solidFill>
-          </a:ln>
-        </p:spPr>
-        <p:txBody>
-          <a:bodyPr wrap="square" rtlCol="0">
-            <a:spAutoFit/>
-          </a:bodyPr>
-          <a:lstStyle/>
-          <a:p>
-            <a:r>
-              <a:rPr lang="en-DK">
-                <a:solidFill>
-                  <a:srgbClr val="C00000"/>
-                </a:solidFill>
-              </a:rPr>
-              <a:t>Use this search box to find a drug from its Drugbank ID or name. </a:t>
-            </a:r>
-            <a:r>
-              <a:rPr lang="vi-VN">
-                <a:solidFill>
-                  <a:srgbClr val="C00000"/>
-                </a:solidFill>
-              </a:rPr>
-              <a:t>Autocomplete feature suggests possible matches as the user types.</a:t>
-            </a:r>
-            <a:r>
-              <a:rPr lang="en-DK">
-                <a:solidFill>
-                  <a:srgbClr val="C00000"/>
-                </a:solidFill>
-              </a:rPr>
-              <a:t> </a:t>
-            </a:r>
-          </a:p>
-        </p:txBody>
-      </p:sp>
       <p:pic>
         <p:nvPicPr>
-          <p:cNvPr id="2" name="Picture 1">
-            <a:extLst>
-              <a:ext uri="{FF2B5EF4-FFF2-40B4-BE49-F238E27FC236}">
-                <a16:creationId xmlns:a16="http://schemas.microsoft.com/office/drawing/2014/main" id="{06B6D78C-6E01-B405-DF9D-28351E8EF202}"/>
+          <p:cNvPr id="5" name="Picture 4" descr="A screenshot of a computer&#10;&#10;Description automatically generated">
+            <a:extLst>
+              <a:ext uri="{FF2B5EF4-FFF2-40B4-BE49-F238E27FC236}">
+                <a16:creationId xmlns:a16="http://schemas.microsoft.com/office/drawing/2014/main" id="{525FA1D0-F08A-F5D3-6F54-F36FCF77092C}"/>
               </a:ext>
             </a:extLst>
           </p:cNvPr>
@@ -4145,8 +4833,8 @@
         </p:blipFill>
         <p:spPr>
           <a:xfrm>
-            <a:off x="1612284" y="1524438"/>
-            <a:ext cx="8489209" cy="3512533"/>
+            <a:off x="1955800" y="946150"/>
+            <a:ext cx="7772400" cy="4661055"/>
           </a:xfrm>
           <a:prstGeom prst="rect">
             <a:avLst/>
@@ -4155,10 +4843,10 @@
       </p:pic>
       <p:cxnSp>
         <p:nvCxnSpPr>
-          <p:cNvPr id="11" name="Straight Arrow Connector 10">
-            <a:extLst>
-              <a:ext uri="{FF2B5EF4-FFF2-40B4-BE49-F238E27FC236}">
-                <a16:creationId xmlns:a16="http://schemas.microsoft.com/office/drawing/2014/main" id="{D754D501-FF05-FDBD-8B7F-AAC0F675C34B}"/>
+          <p:cNvPr id="6" name="Straight Arrow Connector 5">
+            <a:extLst>
+              <a:ext uri="{FF2B5EF4-FFF2-40B4-BE49-F238E27FC236}">
+                <a16:creationId xmlns:a16="http://schemas.microsoft.com/office/drawing/2014/main" id="{3A1F8D78-D796-E02C-D4AC-784AB7C0A5D3}"/>
               </a:ext>
             </a:extLst>
           </p:cNvPr>
@@ -4168,9 +4856,9 @@
           <p:nvPr/>
         </p:nvCxnSpPr>
         <p:spPr>
-          <a:xfrm flipH="1">
-            <a:off x="3657600" y="1418897"/>
-            <a:ext cx="504497" cy="746234"/>
+          <a:xfrm>
+            <a:off x="7346731" y="815891"/>
+            <a:ext cx="1135117" cy="2379254"/>
           </a:xfrm>
           <a:prstGeom prst="straightConnector1">
             <a:avLst/>
@@ -4197,100 +4885,12 @@
           </a:fontRef>
         </p:style>
       </p:cxnSp>
-      <p:cxnSp>
-        <p:nvCxnSpPr>
-          <p:cNvPr id="5" name="Straight Arrow Connector 4">
-            <a:extLst>
-              <a:ext uri="{FF2B5EF4-FFF2-40B4-BE49-F238E27FC236}">
-                <a16:creationId xmlns:a16="http://schemas.microsoft.com/office/drawing/2014/main" id="{E9BB30B9-440D-5567-AC7A-BEE6E03E1326}"/>
-              </a:ext>
-            </a:extLst>
-          </p:cNvPr>
-          <p:cNvCxnSpPr>
-            <a:cxnSpLocks/>
-          </p:cNvCxnSpPr>
-          <p:nvPr/>
-        </p:nvCxnSpPr>
-        <p:spPr>
-          <a:xfrm flipV="1">
-            <a:off x="3870435" y="4692870"/>
-            <a:ext cx="670033" cy="535151"/>
-          </a:xfrm>
-          <a:prstGeom prst="straightConnector1">
-            <a:avLst/>
-          </a:prstGeom>
-          <a:ln>
-            <a:solidFill>
-              <a:srgbClr val="C00000"/>
-            </a:solidFill>
-            <a:tailEnd type="triangle"/>
-          </a:ln>
-        </p:spPr>
-        <p:style>
-          <a:lnRef idx="2">
-            <a:schemeClr val="accent1"/>
-          </a:lnRef>
-          <a:fillRef idx="0">
-            <a:schemeClr val="accent1"/>
-          </a:fillRef>
-          <a:effectRef idx="1">
-            <a:schemeClr val="accent1"/>
-          </a:effectRef>
-          <a:fontRef idx="minor">
-            <a:schemeClr val="tx1"/>
-          </a:fontRef>
-        </p:style>
-      </p:cxnSp>
-      <p:cxnSp>
-        <p:nvCxnSpPr>
-          <p:cNvPr id="8" name="Straight Arrow Connector 7">
-            <a:extLst>
-              <a:ext uri="{FF2B5EF4-FFF2-40B4-BE49-F238E27FC236}">
-                <a16:creationId xmlns:a16="http://schemas.microsoft.com/office/drawing/2014/main" id="{CF791697-F91A-66F0-0660-BD07ABCDE8AF}"/>
-              </a:ext>
-            </a:extLst>
-          </p:cNvPr>
-          <p:cNvCxnSpPr>
-            <a:cxnSpLocks/>
-          </p:cNvCxnSpPr>
-          <p:nvPr/>
-        </p:nvCxnSpPr>
-        <p:spPr>
-          <a:xfrm flipH="1" flipV="1">
-            <a:off x="9045205" y="4849648"/>
-            <a:ext cx="298492" cy="483914"/>
-          </a:xfrm>
-          <a:prstGeom prst="straightConnector1">
-            <a:avLst/>
-          </a:prstGeom>
-          <a:ln>
-            <a:solidFill>
-              <a:srgbClr val="C00000"/>
-            </a:solidFill>
-            <a:tailEnd type="triangle"/>
-          </a:ln>
-        </p:spPr>
-        <p:style>
-          <a:lnRef idx="2">
-            <a:schemeClr val="accent1"/>
-          </a:lnRef>
-          <a:fillRef idx="0">
-            <a:schemeClr val="accent1"/>
-          </a:fillRef>
-          <a:effectRef idx="1">
-            <a:schemeClr val="accent1"/>
-          </a:effectRef>
-          <a:fontRef idx="minor">
-            <a:schemeClr val="tx1"/>
-          </a:fontRef>
-        </p:style>
-      </p:cxnSp>
-      <p:sp>
-        <p:nvSpPr>
-          <p:cNvPr id="12" name="TextBox 11">
-            <a:extLst>
-              <a:ext uri="{FF2B5EF4-FFF2-40B4-BE49-F238E27FC236}">
-                <a16:creationId xmlns:a16="http://schemas.microsoft.com/office/drawing/2014/main" id="{03498D4D-5469-D45F-910B-11BB0FE8C360}"/>
+      <p:sp>
+        <p:nvSpPr>
+          <p:cNvPr id="7" name="TextBox 6">
+            <a:extLst>
+              <a:ext uri="{FF2B5EF4-FFF2-40B4-BE49-F238E27FC236}">
+                <a16:creationId xmlns:a16="http://schemas.microsoft.com/office/drawing/2014/main" id="{E1CA318C-6B65-EA93-828A-37ACFEFE0C80}"/>
               </a:ext>
             </a:extLst>
           </p:cNvPr>
@@ -4299,8 +4899,8 @@
         </p:nvSpPr>
         <p:spPr>
           <a:xfrm>
-            <a:off x="10101493" y="1731468"/>
-            <a:ext cx="1945084" cy="923330"/>
+            <a:off x="4640317" y="166340"/>
+            <a:ext cx="4125311" cy="646331"/>
           </a:xfrm>
           <a:prstGeom prst="rect">
             <a:avLst/>
@@ -4324,17 +4924,61 @@
                   <a:srgbClr val="C00000"/>
                 </a:solidFill>
               </a:rPr>
-              <a:t>Click here to see drug information in Drugbank</a:t>
+              <a:t>Click or unclick on an legend items to apply or remove filters</a:t>
+            </a:r>
+          </a:p>
+        </p:txBody>
+      </p:sp>
+      <p:sp>
+        <p:nvSpPr>
+          <p:cNvPr id="11" name="TextBox 10">
+            <a:extLst>
+              <a:ext uri="{FF2B5EF4-FFF2-40B4-BE49-F238E27FC236}">
+                <a16:creationId xmlns:a16="http://schemas.microsoft.com/office/drawing/2014/main" id="{47478C2B-46EB-DBAA-22B0-5E5360788CAE}"/>
+              </a:ext>
+            </a:extLst>
+          </p:cNvPr>
+          <p:cNvSpPr txBox="1"/>
+          <p:nvPr/>
+        </p:nvSpPr>
+        <p:spPr>
+          <a:xfrm>
+            <a:off x="4033344" y="5725833"/>
+            <a:ext cx="4125311" cy="923330"/>
+          </a:xfrm>
+          <a:prstGeom prst="rect">
+            <a:avLst/>
+          </a:prstGeom>
+          <a:noFill/>
+          <a:ln>
+            <a:solidFill>
+              <a:srgbClr val="C00000"/>
+            </a:solidFill>
+          </a:ln>
+        </p:spPr>
+        <p:txBody>
+          <a:bodyPr wrap="square" rtlCol="0">
+            <a:spAutoFit/>
+          </a:bodyPr>
+          <a:lstStyle/>
+          <a:p>
+            <a:r>
+              <a:rPr lang="en-DK">
+                <a:solidFill>
+                  <a:srgbClr val="C00000"/>
+                </a:solidFill>
+              </a:rPr>
+              <a:t>Use control buttons to zoom in/out, redraw, see hidden parts of the network or export it to image or csv format file</a:t>
             </a:r>
           </a:p>
         </p:txBody>
       </p:sp>
       <p:cxnSp>
         <p:nvCxnSpPr>
-          <p:cNvPr id="13" name="Straight Arrow Connector 12">
-            <a:extLst>
-              <a:ext uri="{FF2B5EF4-FFF2-40B4-BE49-F238E27FC236}">
-                <a16:creationId xmlns:a16="http://schemas.microsoft.com/office/drawing/2014/main" id="{55DFAC1D-859A-DE24-0FF8-9FB4AFACBDBA}"/>
+          <p:cNvPr id="12" name="Straight Arrow Connector 11">
+            <a:extLst>
+              <a:ext uri="{FF2B5EF4-FFF2-40B4-BE49-F238E27FC236}">
+                <a16:creationId xmlns:a16="http://schemas.microsoft.com/office/drawing/2014/main" id="{021FF07E-E12B-D4D5-BAAF-5150D49700E2}"/>
               </a:ext>
             </a:extLst>
           </p:cNvPr>
@@ -4344,9 +4988,9 @@
           <p:nvPr/>
         </p:nvCxnSpPr>
         <p:spPr>
-          <a:xfrm flipH="1">
-            <a:off x="9932276" y="2654798"/>
-            <a:ext cx="723445" cy="625906"/>
+          <a:xfrm flipH="1" flipV="1">
+            <a:off x="4640317" y="5381297"/>
+            <a:ext cx="278524" cy="344536"/>
           </a:xfrm>
           <a:prstGeom prst="straightConnector1">
             <a:avLst/>
@@ -4376,7 +5020,7 @@
     </p:spTree>
     <p:extLst>
       <p:ext uri="{BB962C8B-B14F-4D97-AF65-F5344CB8AC3E}">
-        <p14:creationId xmlns:p14="http://schemas.microsoft.com/office/powerpoint/2010/main" val="2540449118"/>
+        <p14:creationId xmlns:p14="http://schemas.microsoft.com/office/powerpoint/2010/main" val="2902383443"/>
       </p:ext>
     </p:extLst>
   </p:cSld>
@@ -4405,10 +5049,10 @@
       </p:grpSpPr>
       <p:pic>
         <p:nvPicPr>
-          <p:cNvPr id="3" name="Picture 2" descr="A screenshot of a medical form&#10;&#10;Description automatically generated">
-            <a:extLst>
-              <a:ext uri="{FF2B5EF4-FFF2-40B4-BE49-F238E27FC236}">
-                <a16:creationId xmlns:a16="http://schemas.microsoft.com/office/drawing/2014/main" id="{44757929-07A9-EBC7-2180-E3680361ABF2}"/>
+          <p:cNvPr id="14" name="Picture 13">
+            <a:extLst>
+              <a:ext uri="{FF2B5EF4-FFF2-40B4-BE49-F238E27FC236}">
+                <a16:creationId xmlns:a16="http://schemas.microsoft.com/office/drawing/2014/main" id="{8DDD313B-C03C-8686-6BF3-A7F36D52E49F}"/>
               </a:ext>
             </a:extLst>
           </p:cNvPr>
@@ -4425,20 +5069,168 @@
         </p:blipFill>
         <p:spPr>
           <a:xfrm>
-            <a:off x="1047835" y="1678300"/>
-            <a:ext cx="10096330" cy="2611909"/>
+            <a:off x="2209800" y="1617364"/>
+            <a:ext cx="7772400" cy="3623272"/>
           </a:xfrm>
           <a:prstGeom prst="rect">
             <a:avLst/>
           </a:prstGeom>
         </p:spPr>
       </p:pic>
+      <p:sp>
+        <p:nvSpPr>
+          <p:cNvPr id="4" name="TextBox 3">
+            <a:extLst>
+              <a:ext uri="{FF2B5EF4-FFF2-40B4-BE49-F238E27FC236}">
+                <a16:creationId xmlns:a16="http://schemas.microsoft.com/office/drawing/2014/main" id="{D439A001-75F9-5B52-A4B0-CBC7306BA498}"/>
+              </a:ext>
+            </a:extLst>
+          </p:cNvPr>
+          <p:cNvSpPr txBox="1"/>
+          <p:nvPr/>
+        </p:nvSpPr>
+        <p:spPr>
+          <a:xfrm>
+            <a:off x="2477813" y="5228021"/>
+            <a:ext cx="4125311" cy="1200329"/>
+          </a:xfrm>
+          <a:prstGeom prst="rect">
+            <a:avLst/>
+          </a:prstGeom>
+          <a:noFill/>
+          <a:ln>
+            <a:solidFill>
+              <a:srgbClr val="C00000"/>
+            </a:solidFill>
+          </a:ln>
+        </p:spPr>
+        <p:txBody>
+          <a:bodyPr wrap="square" rtlCol="0">
+            <a:spAutoFit/>
+          </a:bodyPr>
+          <a:lstStyle/>
+          <a:p>
+            <a:r>
+              <a:rPr lang="en-DK">
+                <a:solidFill>
+                  <a:srgbClr val="C00000"/>
+                </a:solidFill>
+              </a:rPr>
+              <a:t>A drug can have no (not assigned), one or more than one assigned ATC code. Click here to open the ATC code network for more detailed information</a:t>
+            </a:r>
+          </a:p>
+        </p:txBody>
+      </p:sp>
+      <p:sp>
+        <p:nvSpPr>
+          <p:cNvPr id="7" name="TextBox 6">
+            <a:extLst>
+              <a:ext uri="{FF2B5EF4-FFF2-40B4-BE49-F238E27FC236}">
+                <a16:creationId xmlns:a16="http://schemas.microsoft.com/office/drawing/2014/main" id="{AAEE22A6-51DA-6136-8693-D0C7CF0C39C2}"/>
+              </a:ext>
+            </a:extLst>
+          </p:cNvPr>
+          <p:cNvSpPr txBox="1"/>
+          <p:nvPr/>
+        </p:nvSpPr>
+        <p:spPr>
+          <a:xfrm>
+            <a:off x="8266795" y="5333562"/>
+            <a:ext cx="2519855" cy="646331"/>
+          </a:xfrm>
+          <a:prstGeom prst="rect">
+            <a:avLst/>
+          </a:prstGeom>
+          <a:noFill/>
+          <a:ln>
+            <a:solidFill>
+              <a:srgbClr val="C00000"/>
+            </a:solidFill>
+          </a:ln>
+        </p:spPr>
+        <p:txBody>
+          <a:bodyPr wrap="square" rtlCol="0">
+            <a:spAutoFit/>
+          </a:bodyPr>
+          <a:lstStyle/>
+          <a:p>
+            <a:r>
+              <a:rPr lang="en-DK">
+                <a:solidFill>
+                  <a:srgbClr val="C00000"/>
+                </a:solidFill>
+              </a:rPr>
+              <a:t>Click here to see drug adverse reaction</a:t>
+            </a:r>
+          </a:p>
+        </p:txBody>
+      </p:sp>
+      <p:sp>
+        <p:nvSpPr>
+          <p:cNvPr id="15" name="TextBox 14">
+            <a:extLst>
+              <a:ext uri="{FF2B5EF4-FFF2-40B4-BE49-F238E27FC236}">
+                <a16:creationId xmlns:a16="http://schemas.microsoft.com/office/drawing/2014/main" id="{007D3E2D-F941-3048-A2F5-06CF6EB8D6C5}"/>
+              </a:ext>
+            </a:extLst>
+          </p:cNvPr>
+          <p:cNvSpPr txBox="1"/>
+          <p:nvPr/>
+        </p:nvSpPr>
+        <p:spPr>
+          <a:xfrm>
+            <a:off x="4162097" y="559068"/>
+            <a:ext cx="5364626" cy="923330"/>
+          </a:xfrm>
+          <a:prstGeom prst="rect">
+            <a:avLst/>
+          </a:prstGeom>
+          <a:noFill/>
+          <a:ln>
+            <a:solidFill>
+              <a:srgbClr val="C00000"/>
+            </a:solidFill>
+          </a:ln>
+        </p:spPr>
+        <p:txBody>
+          <a:bodyPr wrap="square" rtlCol="0">
+            <a:spAutoFit/>
+          </a:bodyPr>
+          <a:lstStyle/>
+          <a:p>
+            <a:r>
+              <a:rPr lang="en-DK">
+                <a:solidFill>
+                  <a:srgbClr val="C00000"/>
+                </a:solidFill>
+              </a:rPr>
+              <a:t>Use this search box to find a drug from its Drugbank ID or name. </a:t>
+            </a:r>
+            <a:r>
+              <a:rPr lang="vi-VN">
+                <a:solidFill>
+                  <a:srgbClr val="C00000"/>
+                </a:solidFill>
+              </a:rPr>
+              <a:t>Autocomplete feature suggests possible matches as the user types.</a:t>
+            </a:r>
+            <a:r>
+              <a:rPr lang="en-DK">
+                <a:solidFill>
+                  <a:srgbClr val="C00000"/>
+                </a:solidFill>
+              </a:rPr>
+              <a:t> </a:t>
+            </a:r>
+          </a:p>
+        </p:txBody>
+      </p:sp>
       <p:cxnSp>
         <p:nvCxnSpPr>
-          <p:cNvPr id="4" name="Straight Arrow Connector 3">
-            <a:extLst>
-              <a:ext uri="{FF2B5EF4-FFF2-40B4-BE49-F238E27FC236}">
-                <a16:creationId xmlns:a16="http://schemas.microsoft.com/office/drawing/2014/main" id="{52857D0B-2990-70B2-45F6-70C73EECFE59}"/>
+          <p:cNvPr id="11" name="Straight Arrow Connector 10">
+            <a:extLst>
+              <a:ext uri="{FF2B5EF4-FFF2-40B4-BE49-F238E27FC236}">
+                <a16:creationId xmlns:a16="http://schemas.microsoft.com/office/drawing/2014/main" id="{D754D501-FF05-FDBD-8B7F-AAC0F675C34B}"/>
               </a:ext>
             </a:extLst>
           </p:cNvPr>
@@ -4449,8 +5241,8 @@
         </p:nvCxnSpPr>
         <p:spPr>
           <a:xfrm flipH="1">
-            <a:off x="3647090" y="1418897"/>
-            <a:ext cx="515007" cy="935420"/>
+            <a:off x="3657600" y="1418897"/>
+            <a:ext cx="504497" cy="746234"/>
           </a:xfrm>
           <a:prstGeom prst="straightConnector1">
             <a:avLst/>
@@ -4477,12 +5269,100 @@
           </a:fontRef>
         </p:style>
       </p:cxnSp>
-      <p:sp>
-        <p:nvSpPr>
-          <p:cNvPr id="5" name="TextBox 4">
-            <a:extLst>
-              <a:ext uri="{FF2B5EF4-FFF2-40B4-BE49-F238E27FC236}">
-                <a16:creationId xmlns:a16="http://schemas.microsoft.com/office/drawing/2014/main" id="{939190EF-9FED-6BD2-CCF9-549AB172EFE6}"/>
+      <p:cxnSp>
+        <p:nvCxnSpPr>
+          <p:cNvPr id="5" name="Straight Arrow Connector 4">
+            <a:extLst>
+              <a:ext uri="{FF2B5EF4-FFF2-40B4-BE49-F238E27FC236}">
+                <a16:creationId xmlns:a16="http://schemas.microsoft.com/office/drawing/2014/main" id="{E9BB30B9-440D-5567-AC7A-BEE6E03E1326}"/>
+              </a:ext>
+            </a:extLst>
+          </p:cNvPr>
+          <p:cNvCxnSpPr>
+            <a:cxnSpLocks/>
+          </p:cNvCxnSpPr>
+          <p:nvPr/>
+        </p:nvCxnSpPr>
+        <p:spPr>
+          <a:xfrm flipV="1">
+            <a:off x="3870435" y="3999432"/>
+            <a:ext cx="496466" cy="1228589"/>
+          </a:xfrm>
+          <a:prstGeom prst="straightConnector1">
+            <a:avLst/>
+          </a:prstGeom>
+          <a:ln>
+            <a:solidFill>
+              <a:srgbClr val="C00000"/>
+            </a:solidFill>
+            <a:tailEnd type="triangle"/>
+          </a:ln>
+        </p:spPr>
+        <p:style>
+          <a:lnRef idx="2">
+            <a:schemeClr val="accent1"/>
+          </a:lnRef>
+          <a:fillRef idx="0">
+            <a:schemeClr val="accent1"/>
+          </a:fillRef>
+          <a:effectRef idx="1">
+            <a:schemeClr val="accent1"/>
+          </a:effectRef>
+          <a:fontRef idx="minor">
+            <a:schemeClr val="tx1"/>
+          </a:fontRef>
+        </p:style>
+      </p:cxnSp>
+      <p:cxnSp>
+        <p:nvCxnSpPr>
+          <p:cNvPr id="8" name="Straight Arrow Connector 7">
+            <a:extLst>
+              <a:ext uri="{FF2B5EF4-FFF2-40B4-BE49-F238E27FC236}">
+                <a16:creationId xmlns:a16="http://schemas.microsoft.com/office/drawing/2014/main" id="{CF791697-F91A-66F0-0660-BD07ABCDE8AF}"/>
+              </a:ext>
+            </a:extLst>
+          </p:cNvPr>
+          <p:cNvCxnSpPr>
+            <a:cxnSpLocks/>
+          </p:cNvCxnSpPr>
+          <p:nvPr/>
+        </p:nvCxnSpPr>
+        <p:spPr>
+          <a:xfrm flipH="1" flipV="1">
+            <a:off x="8118505" y="4418176"/>
+            <a:ext cx="1225192" cy="915386"/>
+          </a:xfrm>
+          <a:prstGeom prst="straightConnector1">
+            <a:avLst/>
+          </a:prstGeom>
+          <a:ln>
+            <a:solidFill>
+              <a:srgbClr val="C00000"/>
+            </a:solidFill>
+            <a:tailEnd type="triangle"/>
+          </a:ln>
+        </p:spPr>
+        <p:style>
+          <a:lnRef idx="2">
+            <a:schemeClr val="accent1"/>
+          </a:lnRef>
+          <a:fillRef idx="0">
+            <a:schemeClr val="accent1"/>
+          </a:fillRef>
+          <a:effectRef idx="1">
+            <a:schemeClr val="accent1"/>
+          </a:effectRef>
+          <a:fontRef idx="minor">
+            <a:schemeClr val="tx1"/>
+          </a:fontRef>
+        </p:style>
+      </p:cxnSp>
+      <p:sp>
+        <p:nvSpPr>
+          <p:cNvPr id="12" name="TextBox 11">
+            <a:extLst>
+              <a:ext uri="{FF2B5EF4-FFF2-40B4-BE49-F238E27FC236}">
+                <a16:creationId xmlns:a16="http://schemas.microsoft.com/office/drawing/2014/main" id="{03498D4D-5469-D45F-910B-11BB0FE8C360}"/>
               </a:ext>
             </a:extLst>
           </p:cNvPr>
@@ -4491,8 +5371,8 @@
         </p:nvSpPr>
         <p:spPr>
           <a:xfrm>
-            <a:off x="4162097" y="658728"/>
-            <a:ext cx="5364626" cy="923330"/>
+            <a:off x="10101493" y="1731468"/>
+            <a:ext cx="1945084" cy="923330"/>
           </a:xfrm>
           <a:prstGeom prst="rect">
             <a:avLst/>
@@ -4516,77 +5396,17 @@
                   <a:srgbClr val="C00000"/>
                 </a:solidFill>
               </a:rPr>
-              <a:t>Use this search box to find a disease via its name. </a:t>
-            </a:r>
-            <a:r>
-              <a:rPr lang="vi-VN" i="1">
-                <a:solidFill>
-                  <a:srgbClr val="C00000"/>
-                </a:solidFill>
-              </a:rPr>
-              <a:t>Autocomplete feature suggests possible matches as the user types.</a:t>
-            </a:r>
-            <a:r>
-              <a:rPr lang="en-DK" i="1">
-                <a:solidFill>
-                  <a:srgbClr val="C00000"/>
-                </a:solidFill>
-              </a:rPr>
-              <a:t> </a:t>
-            </a:r>
-          </a:p>
-        </p:txBody>
-      </p:sp>
-      <p:sp>
-        <p:nvSpPr>
-          <p:cNvPr id="6" name="TextBox 5">
-            <a:extLst>
-              <a:ext uri="{FF2B5EF4-FFF2-40B4-BE49-F238E27FC236}">
-                <a16:creationId xmlns:a16="http://schemas.microsoft.com/office/drawing/2014/main" id="{1E5AE161-4E11-1EB9-6537-C5302CEE9E4D}"/>
-              </a:ext>
-            </a:extLst>
-          </p:cNvPr>
-          <p:cNvSpPr txBox="1"/>
-          <p:nvPr/>
-        </p:nvSpPr>
-        <p:spPr>
-          <a:xfrm>
-            <a:off x="5766113" y="4352612"/>
-            <a:ext cx="2519855" cy="923330"/>
-          </a:xfrm>
-          <a:prstGeom prst="rect">
-            <a:avLst/>
-          </a:prstGeom>
-          <a:noFill/>
-          <a:ln>
-            <a:solidFill>
-              <a:srgbClr val="C00000"/>
-            </a:solidFill>
-          </a:ln>
-        </p:spPr>
-        <p:txBody>
-          <a:bodyPr wrap="square" rtlCol="0">
-            <a:spAutoFit/>
-          </a:bodyPr>
-          <a:lstStyle/>
-          <a:p>
-            <a:r>
-              <a:rPr lang="en-DK">
-                <a:solidFill>
-                  <a:srgbClr val="C00000"/>
-                </a:solidFill>
-              </a:rPr>
-              <a:t>Click here to see disease information in clinicaltrials.gov</a:t>
+              <a:t>Click here to see drug information in Drugbank</a:t>
             </a:r>
           </a:p>
         </p:txBody>
       </p:sp>
       <p:cxnSp>
         <p:nvCxnSpPr>
-          <p:cNvPr id="7" name="Straight Arrow Connector 6">
-            <a:extLst>
-              <a:ext uri="{FF2B5EF4-FFF2-40B4-BE49-F238E27FC236}">
-                <a16:creationId xmlns:a16="http://schemas.microsoft.com/office/drawing/2014/main" id="{87B9F8EF-5BA9-27A6-2674-5AA599EAB5A6}"/>
+          <p:cNvPr id="13" name="Straight Arrow Connector 12">
+            <a:extLst>
+              <a:ext uri="{FF2B5EF4-FFF2-40B4-BE49-F238E27FC236}">
+                <a16:creationId xmlns:a16="http://schemas.microsoft.com/office/drawing/2014/main" id="{55DFAC1D-859A-DE24-0FF8-9FB4AFACBDBA}"/>
               </a:ext>
             </a:extLst>
           </p:cNvPr>
@@ -4596,113 +5416,9 @@
           <p:nvPr/>
         </p:nvCxnSpPr>
         <p:spPr>
-          <a:xfrm flipV="1">
-            <a:off x="8008883" y="4172372"/>
-            <a:ext cx="1130765" cy="425456"/>
-          </a:xfrm>
-          <a:prstGeom prst="straightConnector1">
-            <a:avLst/>
-          </a:prstGeom>
-          <a:ln>
-            <a:solidFill>
-              <a:srgbClr val="C00000"/>
-            </a:solidFill>
-            <a:tailEnd type="triangle"/>
-          </a:ln>
-        </p:spPr>
-        <p:style>
-          <a:lnRef idx="2">
-            <a:schemeClr val="accent1"/>
-          </a:lnRef>
-          <a:fillRef idx="0">
-            <a:schemeClr val="accent1"/>
-          </a:fillRef>
-          <a:effectRef idx="1">
-            <a:schemeClr val="accent1"/>
-          </a:effectRef>
-          <a:fontRef idx="minor">
-            <a:schemeClr val="tx1"/>
-          </a:fontRef>
-        </p:style>
-      </p:cxnSp>
-      <p:sp>
-        <p:nvSpPr>
-          <p:cNvPr id="9" name="TextBox 8">
-            <a:extLst>
-              <a:ext uri="{FF2B5EF4-FFF2-40B4-BE49-F238E27FC236}">
-                <a16:creationId xmlns:a16="http://schemas.microsoft.com/office/drawing/2014/main" id="{8E807CFC-779A-0BEF-4FC3-ED540508F93D}"/>
-              </a:ext>
-            </a:extLst>
-          </p:cNvPr>
-          <p:cNvSpPr txBox="1"/>
-          <p:nvPr/>
-        </p:nvSpPr>
-        <p:spPr>
-          <a:xfrm>
-            <a:off x="8456476" y="4918841"/>
-            <a:ext cx="2756909" cy="923330"/>
-          </a:xfrm>
-          <a:prstGeom prst="rect">
-            <a:avLst/>
-          </a:prstGeom>
-          <a:noFill/>
-          <a:ln>
-            <a:solidFill>
-              <a:srgbClr val="C00000"/>
-            </a:solidFill>
-          </a:ln>
-        </p:spPr>
-        <p:txBody>
-          <a:bodyPr wrap="square" rtlCol="0">
-            <a:spAutoFit/>
-          </a:bodyPr>
-          <a:lstStyle/>
-          <a:p>
-            <a:r>
-              <a:rPr lang="en-DK">
-                <a:solidFill>
-                  <a:srgbClr val="C00000"/>
-                </a:solidFill>
-              </a:rPr>
-              <a:t>Click here to open the </a:t>
-            </a:r>
-            <a:r>
-              <a:rPr lang="en-DK" i="1">
-                <a:solidFill>
-                  <a:srgbClr val="C00000"/>
-                </a:solidFill>
-              </a:rPr>
-              <a:t>drug-disease association network</a:t>
-            </a:r>
-            <a:r>
-              <a:rPr lang="en-DK">
-                <a:solidFill>
-                  <a:srgbClr val="C00000"/>
-                </a:solidFill>
-              </a:rPr>
-              <a:t> for more details</a:t>
-            </a:r>
-          </a:p>
-        </p:txBody>
-      </p:sp>
-      <p:cxnSp>
-        <p:nvCxnSpPr>
-          <p:cNvPr id="10" name="Straight Arrow Connector 9">
-            <a:extLst>
-              <a:ext uri="{FF2B5EF4-FFF2-40B4-BE49-F238E27FC236}">
-                <a16:creationId xmlns:a16="http://schemas.microsoft.com/office/drawing/2014/main" id="{68CDDB14-1547-8801-858B-8A4D1BED97B5}"/>
-              </a:ext>
-            </a:extLst>
-          </p:cNvPr>
-          <p:cNvCxnSpPr>
-            <a:cxnSpLocks/>
-          </p:cNvCxnSpPr>
-          <p:nvPr/>
-        </p:nvCxnSpPr>
-        <p:spPr>
-          <a:xfrm flipV="1">
-            <a:off x="10331669" y="4290209"/>
-            <a:ext cx="0" cy="628632"/>
+          <a:xfrm flipH="1">
+            <a:off x="9526723" y="2654798"/>
+            <a:ext cx="1128998" cy="549875"/>
           </a:xfrm>
           <a:prstGeom prst="straightConnector1">
             <a:avLst/>
@@ -4732,7 +5448,7 @@
     </p:spTree>
     <p:extLst>
       <p:ext uri="{BB962C8B-B14F-4D97-AF65-F5344CB8AC3E}">
-        <p14:creationId xmlns:p14="http://schemas.microsoft.com/office/powerpoint/2010/main" val="2273447895"/>
+        <p14:creationId xmlns:p14="http://schemas.microsoft.com/office/powerpoint/2010/main" val="2540449118"/>
       </p:ext>
     </p:extLst>
   </p:cSld>
@@ -4761,10 +5477,10 @@
       </p:grpSpPr>
       <p:pic>
         <p:nvPicPr>
-          <p:cNvPr id="3" name="Picture 2" descr="A screenshot of a computer&#10;&#10;Description automatically generated">
-            <a:extLst>
-              <a:ext uri="{FF2B5EF4-FFF2-40B4-BE49-F238E27FC236}">
-                <a16:creationId xmlns:a16="http://schemas.microsoft.com/office/drawing/2014/main" id="{B04E7BA5-49AF-1CCD-E92E-792A7C16F28C}"/>
+          <p:cNvPr id="2" name="Picture 1">
+            <a:extLst>
+              <a:ext uri="{FF2B5EF4-FFF2-40B4-BE49-F238E27FC236}">
+                <a16:creationId xmlns:a16="http://schemas.microsoft.com/office/drawing/2014/main" id="{BB15581C-1C43-B4BA-1F19-737BDEC5D859}"/>
               </a:ext>
             </a:extLst>
           </p:cNvPr>
@@ -4781,8 +5497,8 @@
         </p:blipFill>
         <p:spPr>
           <a:xfrm>
-            <a:off x="1101725" y="1524657"/>
-            <a:ext cx="9988550" cy="3581370"/>
+            <a:off x="2209799" y="1307507"/>
+            <a:ext cx="8630203" cy="3859381"/>
           </a:xfrm>
           <a:prstGeom prst="rect">
             <a:avLst/>
@@ -4794,7 +5510,7 @@
           <p:cNvPr id="4" name="Straight Arrow Connector 3">
             <a:extLst>
               <a:ext uri="{FF2B5EF4-FFF2-40B4-BE49-F238E27FC236}">
-                <a16:creationId xmlns:a16="http://schemas.microsoft.com/office/drawing/2014/main" id="{1A96220F-3574-0AFB-372E-6FB09F9F0F74}"/>
+                <a16:creationId xmlns:a16="http://schemas.microsoft.com/office/drawing/2014/main" id="{52857D0B-2990-70B2-45F6-70C73EECFE59}"/>
               </a:ext>
             </a:extLst>
           </p:cNvPr>
@@ -4805,8 +5521,8 @@
         </p:nvCxnSpPr>
         <p:spPr>
           <a:xfrm flipH="1">
-            <a:off x="5549872" y="1263833"/>
-            <a:ext cx="515007" cy="935420"/>
+            <a:off x="6229884" y="1298821"/>
+            <a:ext cx="233585" cy="598205"/>
           </a:xfrm>
           <a:prstGeom prst="straightConnector1">
             <a:avLst/>
@@ -4838,7 +5554,7 @@
           <p:cNvPr id="5" name="TextBox 4">
             <a:extLst>
               <a:ext uri="{FF2B5EF4-FFF2-40B4-BE49-F238E27FC236}">
-                <a16:creationId xmlns:a16="http://schemas.microsoft.com/office/drawing/2014/main" id="{6D2114D5-85AE-FFF9-4B1B-F691899C8610}"/>
+                <a16:creationId xmlns:a16="http://schemas.microsoft.com/office/drawing/2014/main" id="{939190EF-9FED-6BD2-CCF9-549AB172EFE6}"/>
               </a:ext>
             </a:extLst>
           </p:cNvPr>
@@ -4847,7 +5563,7 @@
         </p:nvSpPr>
         <p:spPr>
           <a:xfrm>
-            <a:off x="6156887" y="384878"/>
+            <a:off x="4162097" y="375491"/>
             <a:ext cx="5364626" cy="923330"/>
           </a:xfrm>
           <a:prstGeom prst="rect">
@@ -4872,10 +5588,10 @@
                   <a:srgbClr val="C00000"/>
                 </a:solidFill>
               </a:rPr>
-              <a:t>Use this search box to find a protein/gene. </a:t>
-            </a:r>
-            <a:r>
-              <a:rPr lang="vi-VN">
+              <a:t>Use this search box to find a disease via its name. </a:t>
+            </a:r>
+            <a:r>
+              <a:rPr lang="vi-VN" i="1">
                 <a:solidFill>
                   <a:srgbClr val="C00000"/>
                 </a:solidFill>
@@ -4883,7 +5599,7 @@
               <a:t>Autocomplete feature suggests possible matches as the user types.</a:t>
             </a:r>
             <a:r>
-              <a:rPr lang="en-DK">
+              <a:rPr lang="en-DK" i="1">
                 <a:solidFill>
                   <a:srgbClr val="C00000"/>
                 </a:solidFill>
@@ -4898,7 +5614,7 @@
           <p:cNvPr id="6" name="TextBox 5">
             <a:extLst>
               <a:ext uri="{FF2B5EF4-FFF2-40B4-BE49-F238E27FC236}">
-                <a16:creationId xmlns:a16="http://schemas.microsoft.com/office/drawing/2014/main" id="{EC0929C6-016A-4A1A-4D67-72EAF02B1C2C}"/>
+                <a16:creationId xmlns:a16="http://schemas.microsoft.com/office/drawing/2014/main" id="{1E5AE161-4E11-1EB9-6537-C5302CEE9E4D}"/>
               </a:ext>
             </a:extLst>
           </p:cNvPr>
@@ -4907,7 +5623,7 @@
         </p:nvSpPr>
         <p:spPr>
           <a:xfrm>
-            <a:off x="4609974" y="5132502"/>
+            <a:off x="4324555" y="5407041"/>
             <a:ext cx="2519855" cy="923330"/>
           </a:xfrm>
           <a:prstGeom prst="rect">
@@ -4932,7 +5648,7 @@
                   <a:srgbClr val="C00000"/>
                 </a:solidFill>
               </a:rPr>
-              <a:t>Click here to open a detailed page for a protein/gene</a:t>
+              <a:t>Click here to see disease information in clinicaltrials.gov</a:t>
             </a:r>
           </a:p>
         </p:txBody>
@@ -4942,19 +5658,20 @@
           <p:cNvPr id="7" name="Straight Arrow Connector 6">
             <a:extLst>
               <a:ext uri="{FF2B5EF4-FFF2-40B4-BE49-F238E27FC236}">
-                <a16:creationId xmlns:a16="http://schemas.microsoft.com/office/drawing/2014/main" id="{B0B9A77C-E151-5931-F5DB-C1C43F6FBDF8}"/>
+                <a16:creationId xmlns:a16="http://schemas.microsoft.com/office/drawing/2014/main" id="{87B9F8EF-5BA9-27A6-2674-5AA599EAB5A6}"/>
               </a:ext>
             </a:extLst>
           </p:cNvPr>
           <p:cNvCxnSpPr>
             <a:cxnSpLocks/>
+            <a:stCxn id="6" idx="3"/>
           </p:cNvCxnSpPr>
           <p:nvPr/>
         </p:nvCxnSpPr>
         <p:spPr>
           <a:xfrm flipV="1">
-            <a:off x="6852744" y="4529959"/>
-            <a:ext cx="1986456" cy="847759"/>
+            <a:off x="6844410" y="4978159"/>
+            <a:ext cx="1911409" cy="890547"/>
           </a:xfrm>
           <a:prstGeom prst="straightConnector1">
             <a:avLst/>
@@ -4986,7 +5703,7 @@
           <p:cNvPr id="9" name="TextBox 8">
             <a:extLst>
               <a:ext uri="{FF2B5EF4-FFF2-40B4-BE49-F238E27FC236}">
-                <a16:creationId xmlns:a16="http://schemas.microsoft.com/office/drawing/2014/main" id="{D362BBB7-76C2-08CD-A769-9C108BE29BDD}"/>
+                <a16:creationId xmlns:a16="http://schemas.microsoft.com/office/drawing/2014/main" id="{8E807CFC-779A-0BEF-4FC3-ED540508F93D}"/>
               </a:ext>
             </a:extLst>
           </p:cNvPr>
@@ -4995,8 +5712,8 @@
         </p:nvSpPr>
         <p:spPr>
           <a:xfrm>
-            <a:off x="8424945" y="5377718"/>
-            <a:ext cx="2756909" cy="1200329"/>
+            <a:off x="8318956" y="5394223"/>
+            <a:ext cx="2756909" cy="923330"/>
           </a:xfrm>
           <a:prstGeom prst="rect">
             <a:avLst/>
@@ -5020,7 +5737,7 @@
                   <a:srgbClr val="C00000"/>
                 </a:solidFill>
               </a:rPr>
-              <a:t>Click on any drug to open the </a:t>
+              <a:t>Click here to open the </a:t>
             </a:r>
             <a:r>
               <a:rPr lang="en-DK" i="1">
@@ -5028,7 +5745,7 @@
                   <a:srgbClr val="C00000"/>
                 </a:solidFill>
               </a:rPr>
-              <a:t>drug-protein interaction network</a:t>
+              <a:t>drug-disease association network</a:t>
             </a:r>
             <a:r>
               <a:rPr lang="en-DK">
@@ -5046,7 +5763,7 @@
           <p:cNvPr id="10" name="Straight Arrow Connector 9">
             <a:extLst>
               <a:ext uri="{FF2B5EF4-FFF2-40B4-BE49-F238E27FC236}">
-                <a16:creationId xmlns:a16="http://schemas.microsoft.com/office/drawing/2014/main" id="{68EE5E8F-8AEB-C8AC-59F2-809D9FB71844}"/>
+                <a16:creationId xmlns:a16="http://schemas.microsoft.com/office/drawing/2014/main" id="{68CDDB14-1547-8801-858B-8A4D1BED97B5}"/>
               </a:ext>
             </a:extLst>
           </p:cNvPr>
@@ -5057,8 +5774,8 @@
         </p:nvCxnSpPr>
         <p:spPr>
           <a:xfrm flipV="1">
-            <a:off x="10300138" y="5106027"/>
-            <a:ext cx="0" cy="271691"/>
+            <a:off x="9610116" y="4978159"/>
+            <a:ext cx="277368" cy="416064"/>
           </a:xfrm>
           <a:prstGeom prst="straightConnector1">
             <a:avLst/>
@@ -5088,7 +5805,7 @@
     </p:spTree>
     <p:extLst>
       <p:ext uri="{BB962C8B-B14F-4D97-AF65-F5344CB8AC3E}">
-        <p14:creationId xmlns:p14="http://schemas.microsoft.com/office/powerpoint/2010/main" val="3746600741"/>
+        <p14:creationId xmlns:p14="http://schemas.microsoft.com/office/powerpoint/2010/main" val="2273447895"/>
       </p:ext>
     </p:extLst>
   </p:cSld>
@@ -5117,10 +5834,10 @@
       </p:grpSpPr>
       <p:pic>
         <p:nvPicPr>
-          <p:cNvPr id="5" name="Picture 4" descr="A screenshot of a computer&#10;&#10;Description automatically generated">
-            <a:extLst>
-              <a:ext uri="{FF2B5EF4-FFF2-40B4-BE49-F238E27FC236}">
-                <a16:creationId xmlns:a16="http://schemas.microsoft.com/office/drawing/2014/main" id="{74298C80-BFB9-6D00-B5D5-C1DAF5C2E9A1}"/>
+          <p:cNvPr id="2" name="Picture 1">
+            <a:extLst>
+              <a:ext uri="{FF2B5EF4-FFF2-40B4-BE49-F238E27FC236}">
+                <a16:creationId xmlns:a16="http://schemas.microsoft.com/office/drawing/2014/main" id="{18F96373-5149-A055-D7FD-BE7293EA9E55}"/>
               </a:ext>
             </a:extLst>
           </p:cNvPr>
@@ -5137,20 +5854,65 @@
         </p:blipFill>
         <p:spPr>
           <a:xfrm>
-            <a:off x="1076955" y="1676399"/>
-            <a:ext cx="10038089" cy="3093308"/>
+            <a:off x="1917783" y="1154852"/>
+            <a:ext cx="8730266" cy="4361533"/>
           </a:xfrm>
           <a:prstGeom prst="rect">
             <a:avLst/>
           </a:prstGeom>
         </p:spPr>
       </p:pic>
-      <p:sp>
-        <p:nvSpPr>
-          <p:cNvPr id="6" name="TextBox 5">
-            <a:extLst>
-              <a:ext uri="{FF2B5EF4-FFF2-40B4-BE49-F238E27FC236}">
-                <a16:creationId xmlns:a16="http://schemas.microsoft.com/office/drawing/2014/main" id="{2F4CBAA5-7BA6-6118-F071-702353545197}"/>
+      <p:cxnSp>
+        <p:nvCxnSpPr>
+          <p:cNvPr id="4" name="Straight Arrow Connector 3">
+            <a:extLst>
+              <a:ext uri="{FF2B5EF4-FFF2-40B4-BE49-F238E27FC236}">
+                <a16:creationId xmlns:a16="http://schemas.microsoft.com/office/drawing/2014/main" id="{1A96220F-3574-0AFB-372E-6FB09F9F0F74}"/>
+              </a:ext>
+            </a:extLst>
+          </p:cNvPr>
+          <p:cNvCxnSpPr>
+            <a:cxnSpLocks/>
+            <a:stCxn id="5" idx="1"/>
+          </p:cNvCxnSpPr>
+          <p:nvPr/>
+        </p:nvCxnSpPr>
+        <p:spPr>
+          <a:xfrm flipH="1">
+            <a:off x="5896598" y="664754"/>
+            <a:ext cx="296424" cy="1044405"/>
+          </a:xfrm>
+          <a:prstGeom prst="straightConnector1">
+            <a:avLst/>
+          </a:prstGeom>
+          <a:ln>
+            <a:solidFill>
+              <a:srgbClr val="C00000"/>
+            </a:solidFill>
+            <a:tailEnd type="triangle"/>
+          </a:ln>
+        </p:spPr>
+        <p:style>
+          <a:lnRef idx="2">
+            <a:schemeClr val="accent1"/>
+          </a:lnRef>
+          <a:fillRef idx="0">
+            <a:schemeClr val="accent1"/>
+          </a:fillRef>
+          <a:effectRef idx="1">
+            <a:schemeClr val="accent1"/>
+          </a:effectRef>
+          <a:fontRef idx="minor">
+            <a:schemeClr val="tx1"/>
+          </a:fontRef>
+        </p:style>
+      </p:cxnSp>
+      <p:sp>
+        <p:nvSpPr>
+          <p:cNvPr id="5" name="TextBox 4">
+            <a:extLst>
+              <a:ext uri="{FF2B5EF4-FFF2-40B4-BE49-F238E27FC236}">
+                <a16:creationId xmlns:a16="http://schemas.microsoft.com/office/drawing/2014/main" id="{6D2114D5-85AE-FFF9-4B1B-F691899C8610}"/>
               </a:ext>
             </a:extLst>
           </p:cNvPr>
@@ -5159,8 +5921,8 @@
         </p:nvSpPr>
         <p:spPr>
           <a:xfrm>
-            <a:off x="4925285" y="5258626"/>
-            <a:ext cx="2519855" cy="1200329"/>
+            <a:off x="6193022" y="203089"/>
+            <a:ext cx="4283151" cy="923330"/>
           </a:xfrm>
           <a:prstGeom prst="rect">
             <a:avLst/>
@@ -5184,7 +5946,67 @@
                   <a:srgbClr val="C00000"/>
                 </a:solidFill>
               </a:rPr>
-              <a:t>Click here to open a detailed page for a protein/gene where the variant occurs</a:t>
+              <a:t>Use this search box to find a protein/gene. </a:t>
+            </a:r>
+            <a:r>
+              <a:rPr lang="vi-VN">
+                <a:solidFill>
+                  <a:srgbClr val="C00000"/>
+                </a:solidFill>
+              </a:rPr>
+              <a:t>Autocomplete feature suggests possible matches as the user types.</a:t>
+            </a:r>
+            <a:r>
+              <a:rPr lang="en-DK">
+                <a:solidFill>
+                  <a:srgbClr val="C00000"/>
+                </a:solidFill>
+              </a:rPr>
+              <a:t> </a:t>
+            </a:r>
+          </a:p>
+        </p:txBody>
+      </p:sp>
+      <p:sp>
+        <p:nvSpPr>
+          <p:cNvPr id="6" name="TextBox 5">
+            <a:extLst>
+              <a:ext uri="{FF2B5EF4-FFF2-40B4-BE49-F238E27FC236}">
+                <a16:creationId xmlns:a16="http://schemas.microsoft.com/office/drawing/2014/main" id="{EC0929C6-016A-4A1A-4D67-72EAF02B1C2C}"/>
+              </a:ext>
+            </a:extLst>
+          </p:cNvPr>
+          <p:cNvSpPr txBox="1"/>
+          <p:nvPr/>
+        </p:nvSpPr>
+        <p:spPr>
+          <a:xfrm>
+            <a:off x="3816333" y="5703148"/>
+            <a:ext cx="2519855" cy="923330"/>
+          </a:xfrm>
+          <a:prstGeom prst="rect">
+            <a:avLst/>
+          </a:prstGeom>
+          <a:noFill/>
+          <a:ln>
+            <a:solidFill>
+              <a:srgbClr val="C00000"/>
+            </a:solidFill>
+          </a:ln>
+        </p:spPr>
+        <p:txBody>
+          <a:bodyPr wrap="square" rtlCol="0">
+            <a:spAutoFit/>
+          </a:bodyPr>
+          <a:lstStyle/>
+          <a:p>
+            <a:r>
+              <a:rPr lang="en-DK">
+                <a:solidFill>
+                  <a:srgbClr val="C00000"/>
+                </a:solidFill>
+              </a:rPr>
+              <a:t>Click here to open a detailed page for a protein/gene</a:t>
             </a:r>
           </a:p>
         </p:txBody>
@@ -5194,19 +6016,20 @@
           <p:cNvPr id="7" name="Straight Arrow Connector 6">
             <a:extLst>
               <a:ext uri="{FF2B5EF4-FFF2-40B4-BE49-F238E27FC236}">
-                <a16:creationId xmlns:a16="http://schemas.microsoft.com/office/drawing/2014/main" id="{568C4AD4-6341-441E-B46F-585CB355BF32}"/>
+                <a16:creationId xmlns:a16="http://schemas.microsoft.com/office/drawing/2014/main" id="{B0B9A77C-E151-5931-F5DB-C1C43F6FBDF8}"/>
               </a:ext>
             </a:extLst>
           </p:cNvPr>
           <p:cNvCxnSpPr>
             <a:cxnSpLocks/>
+            <a:stCxn id="6" idx="3"/>
           </p:cNvCxnSpPr>
           <p:nvPr/>
         </p:nvCxnSpPr>
         <p:spPr>
           <a:xfrm flipV="1">
-            <a:off x="7168055" y="4656083"/>
-            <a:ext cx="1986456" cy="847759"/>
+            <a:off x="6336188" y="5305550"/>
+            <a:ext cx="1619947" cy="859263"/>
           </a:xfrm>
           <a:prstGeom prst="straightConnector1">
             <a:avLst/>
@@ -5233,12 +6056,72 @@
           </a:fontRef>
         </p:style>
       </p:cxnSp>
+      <p:sp>
+        <p:nvSpPr>
+          <p:cNvPr id="9" name="TextBox 8">
+            <a:extLst>
+              <a:ext uri="{FF2B5EF4-FFF2-40B4-BE49-F238E27FC236}">
+                <a16:creationId xmlns:a16="http://schemas.microsoft.com/office/drawing/2014/main" id="{D362BBB7-76C2-08CD-A769-9C108BE29BDD}"/>
+              </a:ext>
+            </a:extLst>
+          </p:cNvPr>
+          <p:cNvSpPr txBox="1"/>
+          <p:nvPr/>
+        </p:nvSpPr>
+        <p:spPr>
+          <a:xfrm>
+            <a:off x="7613603" y="5735181"/>
+            <a:ext cx="3034446" cy="923330"/>
+          </a:xfrm>
+          <a:prstGeom prst="rect">
+            <a:avLst/>
+          </a:prstGeom>
+          <a:noFill/>
+          <a:ln>
+            <a:solidFill>
+              <a:srgbClr val="C00000"/>
+            </a:solidFill>
+          </a:ln>
+        </p:spPr>
+        <p:txBody>
+          <a:bodyPr wrap="square" rtlCol="0">
+            <a:spAutoFit/>
+          </a:bodyPr>
+          <a:lstStyle/>
+          <a:p>
+            <a:r>
+              <a:rPr lang="en-DK">
+                <a:solidFill>
+                  <a:srgbClr val="C00000"/>
+                </a:solidFill>
+              </a:rPr>
+              <a:t>Click on any drug to open the </a:t>
+            </a:r>
+            <a:r>
+              <a:rPr lang="en-DK" i="1">
+                <a:solidFill>
+                  <a:srgbClr val="C00000"/>
+                </a:solidFill>
+              </a:rPr>
+              <a:t>drug-protein interaction network</a:t>
+            </a:r>
+            <a:r>
+              <a:rPr lang="en-DK">
+                <a:solidFill>
+                  <a:srgbClr val="C00000"/>
+                </a:solidFill>
+              </a:rPr>
+              <a:t> for more details</a:t>
+            </a:r>
+          </a:p>
+        </p:txBody>
+      </p:sp>
       <p:cxnSp>
         <p:nvCxnSpPr>
-          <p:cNvPr id="8" name="Straight Arrow Connector 7">
-            <a:extLst>
-              <a:ext uri="{FF2B5EF4-FFF2-40B4-BE49-F238E27FC236}">
-                <a16:creationId xmlns:a16="http://schemas.microsoft.com/office/drawing/2014/main" id="{505377B9-D1C8-454B-D7E9-A5BB42D4A2B5}"/>
+          <p:cNvPr id="10" name="Straight Arrow Connector 9">
+            <a:extLst>
+              <a:ext uri="{FF2B5EF4-FFF2-40B4-BE49-F238E27FC236}">
+                <a16:creationId xmlns:a16="http://schemas.microsoft.com/office/drawing/2014/main" id="{68EE5E8F-8AEB-C8AC-59F2-809D9FB71844}"/>
               </a:ext>
             </a:extLst>
           </p:cNvPr>
@@ -5248,9 +6131,9 @@
           <p:nvPr/>
         </p:nvCxnSpPr>
         <p:spPr>
-          <a:xfrm flipH="1">
-            <a:off x="5475890" y="1263833"/>
-            <a:ext cx="588989" cy="1111505"/>
+          <a:xfrm flipV="1">
+            <a:off x="8875840" y="5392396"/>
+            <a:ext cx="0" cy="344936"/>
           </a:xfrm>
           <a:prstGeom prst="straightConnector1">
             <a:avLst/>
@@ -5277,70 +6160,10 @@
           </a:fontRef>
         </p:style>
       </p:cxnSp>
-      <p:sp>
-        <p:nvSpPr>
-          <p:cNvPr id="9" name="TextBox 8">
-            <a:extLst>
-              <a:ext uri="{FF2B5EF4-FFF2-40B4-BE49-F238E27FC236}">
-                <a16:creationId xmlns:a16="http://schemas.microsoft.com/office/drawing/2014/main" id="{FE39F9A8-527E-EB0E-5944-0F0D146579AF}"/>
-              </a:ext>
-            </a:extLst>
-          </p:cNvPr>
-          <p:cNvSpPr txBox="1"/>
-          <p:nvPr/>
-        </p:nvSpPr>
-        <p:spPr>
-          <a:xfrm>
-            <a:off x="6127123" y="508610"/>
-            <a:ext cx="5364626" cy="923330"/>
-          </a:xfrm>
-          <a:prstGeom prst="rect">
-            <a:avLst/>
-          </a:prstGeom>
-          <a:noFill/>
-          <a:ln>
-            <a:solidFill>
-              <a:srgbClr val="C00000"/>
-            </a:solidFill>
-          </a:ln>
-        </p:spPr>
-        <p:txBody>
-          <a:bodyPr wrap="square" rtlCol="0">
-            <a:spAutoFit/>
-          </a:bodyPr>
-          <a:lstStyle/>
-          <a:p>
-            <a:r>
-              <a:rPr lang="en-DK">
-                <a:solidFill>
-                  <a:srgbClr val="C00000"/>
-                </a:solidFill>
-              </a:rPr>
-              <a:t>Use this search box to find a single variant. </a:t>
-            </a:r>
-            <a:r>
-              <a:rPr lang="vi-VN">
-                <a:solidFill>
-                  <a:srgbClr val="C00000"/>
-                </a:solidFill>
-              </a:rPr>
-              <a:t>Autocomplete feature suggests possible matches as the user types.</a:t>
-            </a:r>
-            <a:r>
-              <a:rPr lang="en-DK">
-                <a:solidFill>
-                  <a:srgbClr val="C00000"/>
-                </a:solidFill>
-              </a:rPr>
-              <a:t> </a:t>
-            </a:r>
-          </a:p>
-        </p:txBody>
-      </p:sp>
     </p:spTree>
     <p:extLst>
       <p:ext uri="{BB962C8B-B14F-4D97-AF65-F5344CB8AC3E}">
-        <p14:creationId xmlns:p14="http://schemas.microsoft.com/office/powerpoint/2010/main" val="1758041671"/>
+        <p14:creationId xmlns:p14="http://schemas.microsoft.com/office/powerpoint/2010/main" val="3746600741"/>
       </p:ext>
     </p:extLst>
   </p:cSld>
@@ -5369,10 +6192,10 @@
       </p:grpSpPr>
       <p:pic>
         <p:nvPicPr>
-          <p:cNvPr id="7" name="Picture 6">
-            <a:extLst>
-              <a:ext uri="{FF2B5EF4-FFF2-40B4-BE49-F238E27FC236}">
-                <a16:creationId xmlns:a16="http://schemas.microsoft.com/office/drawing/2014/main" id="{3AD316CF-90B1-2FA3-07E2-CD4EB8AD9677}"/>
+          <p:cNvPr id="5" name="Picture 4" descr="A screenshot of a computer&#10;&#10;Description automatically generated">
+            <a:extLst>
+              <a:ext uri="{FF2B5EF4-FFF2-40B4-BE49-F238E27FC236}">
+                <a16:creationId xmlns:a16="http://schemas.microsoft.com/office/drawing/2014/main" id="{74298C80-BFB9-6D00-B5D5-C1DAF5C2E9A1}"/>
               </a:ext>
             </a:extLst>
           </p:cNvPr>
@@ -5389,8 +6212,8 @@
         </p:blipFill>
         <p:spPr>
           <a:xfrm>
-            <a:off x="1043149" y="1452505"/>
-            <a:ext cx="9848237" cy="4422777"/>
+            <a:off x="1076955" y="1676399"/>
+            <a:ext cx="10038089" cy="3093308"/>
           </a:xfrm>
           <a:prstGeom prst="rect">
             <a:avLst/>
@@ -5399,10 +6222,10 @@
       </p:pic>
       <p:sp>
         <p:nvSpPr>
-          <p:cNvPr id="8" name="TextBox 7">
-            <a:extLst>
-              <a:ext uri="{FF2B5EF4-FFF2-40B4-BE49-F238E27FC236}">
-                <a16:creationId xmlns:a16="http://schemas.microsoft.com/office/drawing/2014/main" id="{2DA72589-9231-D540-4F8B-9237EFD3C800}"/>
+          <p:cNvPr id="6" name="TextBox 5">
+            <a:extLst>
+              <a:ext uri="{FF2B5EF4-FFF2-40B4-BE49-F238E27FC236}">
+                <a16:creationId xmlns:a16="http://schemas.microsoft.com/office/drawing/2014/main" id="{2F4CBAA5-7BA6-6118-F071-702353545197}"/>
               </a:ext>
             </a:extLst>
           </p:cNvPr>
@@ -5411,8 +6234,8 @@
         </p:nvSpPr>
         <p:spPr>
           <a:xfrm>
-            <a:off x="6130159" y="3368565"/>
-            <a:ext cx="2519855" cy="646331"/>
+            <a:off x="4925285" y="5258626"/>
+            <a:ext cx="2519855" cy="1200329"/>
           </a:xfrm>
           <a:prstGeom prst="rect">
             <a:avLst/>
@@ -5436,17 +6259,17 @@
                   <a:srgbClr val="C00000"/>
                 </a:solidFill>
               </a:rPr>
-              <a:t>Click here to retrieve data for a single entry</a:t>
+              <a:t>Click here to open a detailed page for a protein/gene where the variant occurs</a:t>
             </a:r>
           </a:p>
         </p:txBody>
       </p:sp>
       <p:cxnSp>
         <p:nvCxnSpPr>
-          <p:cNvPr id="9" name="Straight Arrow Connector 8">
-            <a:extLst>
-              <a:ext uri="{FF2B5EF4-FFF2-40B4-BE49-F238E27FC236}">
-                <a16:creationId xmlns:a16="http://schemas.microsoft.com/office/drawing/2014/main" id="{61C14257-C4B4-925E-3F62-D23479832413}"/>
+          <p:cNvPr id="7" name="Straight Arrow Connector 6">
+            <a:extLst>
+              <a:ext uri="{FF2B5EF4-FFF2-40B4-BE49-F238E27FC236}">
+                <a16:creationId xmlns:a16="http://schemas.microsoft.com/office/drawing/2014/main" id="{568C4AD4-6341-441E-B46F-585CB355BF32}"/>
               </a:ext>
             </a:extLst>
           </p:cNvPr>
@@ -5457,8 +6280,8 @@
         </p:nvCxnSpPr>
         <p:spPr>
           <a:xfrm flipV="1">
-            <a:off x="8650014" y="3142593"/>
-            <a:ext cx="1135117" cy="451945"/>
+            <a:off x="7168055" y="4656083"/>
+            <a:ext cx="1986456" cy="847759"/>
           </a:xfrm>
           <a:prstGeom prst="straightConnector1">
             <a:avLst/>
@@ -5485,12 +6308,56 @@
           </a:fontRef>
         </p:style>
       </p:cxnSp>
-      <p:sp>
-        <p:nvSpPr>
-          <p:cNvPr id="11" name="TextBox 10">
-            <a:extLst>
-              <a:ext uri="{FF2B5EF4-FFF2-40B4-BE49-F238E27FC236}">
-                <a16:creationId xmlns:a16="http://schemas.microsoft.com/office/drawing/2014/main" id="{AB8D2926-1D6C-5996-7E3B-DA43CF094E3A}"/>
+      <p:cxnSp>
+        <p:nvCxnSpPr>
+          <p:cNvPr id="8" name="Straight Arrow Connector 7">
+            <a:extLst>
+              <a:ext uri="{FF2B5EF4-FFF2-40B4-BE49-F238E27FC236}">
+                <a16:creationId xmlns:a16="http://schemas.microsoft.com/office/drawing/2014/main" id="{505377B9-D1C8-454B-D7E9-A5BB42D4A2B5}"/>
+              </a:ext>
+            </a:extLst>
+          </p:cNvPr>
+          <p:cNvCxnSpPr>
+            <a:cxnSpLocks/>
+          </p:cNvCxnSpPr>
+          <p:nvPr/>
+        </p:nvCxnSpPr>
+        <p:spPr>
+          <a:xfrm flipH="1">
+            <a:off x="5475890" y="1403929"/>
+            <a:ext cx="620109" cy="971409"/>
+          </a:xfrm>
+          <a:prstGeom prst="straightConnector1">
+            <a:avLst/>
+          </a:prstGeom>
+          <a:ln>
+            <a:solidFill>
+              <a:srgbClr val="C00000"/>
+            </a:solidFill>
+            <a:tailEnd type="triangle"/>
+          </a:ln>
+        </p:spPr>
+        <p:style>
+          <a:lnRef idx="2">
+            <a:schemeClr val="accent1"/>
+          </a:lnRef>
+          <a:fillRef idx="0">
+            <a:schemeClr val="accent1"/>
+          </a:fillRef>
+          <a:effectRef idx="1">
+            <a:schemeClr val="accent1"/>
+          </a:effectRef>
+          <a:fontRef idx="minor">
+            <a:schemeClr val="tx1"/>
+          </a:fontRef>
+        </p:style>
+      </p:cxnSp>
+      <p:sp>
+        <p:nvSpPr>
+          <p:cNvPr id="9" name="TextBox 8">
+            <a:extLst>
+              <a:ext uri="{FF2B5EF4-FFF2-40B4-BE49-F238E27FC236}">
+                <a16:creationId xmlns:a16="http://schemas.microsoft.com/office/drawing/2014/main" id="{FE39F9A8-527E-EB0E-5944-0F0D146579AF}"/>
               </a:ext>
             </a:extLst>
           </p:cNvPr>
@@ -5499,8 +6366,8 @@
         </p:nvSpPr>
         <p:spPr>
           <a:xfrm>
-            <a:off x="4054366" y="4621923"/>
-            <a:ext cx="2519855" cy="646331"/>
+            <a:off x="5705823" y="480599"/>
+            <a:ext cx="5364626" cy="923330"/>
           </a:xfrm>
           <a:prstGeom prst="rect">
             <a:avLst/>
@@ -5524,59 +6391,31 @@
                   <a:srgbClr val="C00000"/>
                 </a:solidFill>
               </a:rPr>
-              <a:t>Input entry id here and press “Execute”</a:t>
-            </a:r>
-          </a:p>
-        </p:txBody>
-      </p:sp>
-      <p:cxnSp>
-        <p:nvCxnSpPr>
-          <p:cNvPr id="12" name="Straight Arrow Connector 11">
-            <a:extLst>
-              <a:ext uri="{FF2B5EF4-FFF2-40B4-BE49-F238E27FC236}">
-                <a16:creationId xmlns:a16="http://schemas.microsoft.com/office/drawing/2014/main" id="{5CFBBFFA-76F2-9839-CFDA-DCDD315D78B9}"/>
-              </a:ext>
-            </a:extLst>
-          </p:cNvPr>
-          <p:cNvCxnSpPr>
-            <a:cxnSpLocks/>
-          </p:cNvCxnSpPr>
-          <p:nvPr/>
-        </p:nvCxnSpPr>
-        <p:spPr>
-          <a:xfrm flipH="1" flipV="1">
-            <a:off x="3967655" y="4021189"/>
-            <a:ext cx="541283" cy="498259"/>
-          </a:xfrm>
-          <a:prstGeom prst="straightConnector1">
-            <a:avLst/>
-          </a:prstGeom>
-          <a:ln>
-            <a:solidFill>
-              <a:srgbClr val="C00000"/>
-            </a:solidFill>
-            <a:tailEnd type="triangle"/>
-          </a:ln>
-        </p:spPr>
-        <p:style>
-          <a:lnRef idx="2">
-            <a:schemeClr val="accent1"/>
-          </a:lnRef>
-          <a:fillRef idx="0">
-            <a:schemeClr val="accent1"/>
-          </a:fillRef>
-          <a:effectRef idx="1">
-            <a:schemeClr val="accent1"/>
-          </a:effectRef>
-          <a:fontRef idx="minor">
-            <a:schemeClr val="tx1"/>
-          </a:fontRef>
-        </p:style>
-      </p:cxnSp>
+              <a:t>Use this search box to find a single variant. </a:t>
+            </a:r>
+            <a:r>
+              <a:rPr lang="vi-VN">
+                <a:solidFill>
+                  <a:srgbClr val="C00000"/>
+                </a:solidFill>
+              </a:rPr>
+              <a:t>Autocomplete feature suggests possible matches as the user types.</a:t>
+            </a:r>
+            <a:r>
+              <a:rPr lang="en-DK">
+                <a:solidFill>
+                  <a:srgbClr val="C00000"/>
+                </a:solidFill>
+              </a:rPr>
+              <a:t> </a:t>
+            </a:r>
+          </a:p>
+        </p:txBody>
+      </p:sp>
     </p:spTree>
     <p:extLst>
       <p:ext uri="{BB962C8B-B14F-4D97-AF65-F5344CB8AC3E}">
-        <p14:creationId xmlns:p14="http://schemas.microsoft.com/office/powerpoint/2010/main" val="935187983"/>
+        <p14:creationId xmlns:p14="http://schemas.microsoft.com/office/powerpoint/2010/main" val="1758041671"/>
       </p:ext>
     </p:extLst>
   </p:cSld>
@@ -5605,10 +6444,10 @@
       </p:grpSpPr>
       <p:pic>
         <p:nvPicPr>
-          <p:cNvPr id="5" name="Picture 4" descr="A screenshot of a graph&#10;&#10;Description automatically generated">
-            <a:extLst>
-              <a:ext uri="{FF2B5EF4-FFF2-40B4-BE49-F238E27FC236}">
-                <a16:creationId xmlns:a16="http://schemas.microsoft.com/office/drawing/2014/main" id="{786B6DE2-D066-960D-AB94-B89C8941C41D}"/>
+          <p:cNvPr id="7" name="Picture 6">
+            <a:extLst>
+              <a:ext uri="{FF2B5EF4-FFF2-40B4-BE49-F238E27FC236}">
+                <a16:creationId xmlns:a16="http://schemas.microsoft.com/office/drawing/2014/main" id="{3AD316CF-90B1-2FA3-07E2-CD4EB8AD9677}"/>
               </a:ext>
             </a:extLst>
           </p:cNvPr>
@@ -5625,8 +6464,8 @@
         </p:blipFill>
         <p:spPr>
           <a:xfrm>
-            <a:off x="1132380" y="1246133"/>
-            <a:ext cx="9927240" cy="4779000"/>
+            <a:off x="458605" y="760576"/>
+            <a:ext cx="11274789" cy="5063432"/>
           </a:xfrm>
           <a:prstGeom prst="rect">
             <a:avLst/>
@@ -5635,10 +6474,10 @@
       </p:pic>
       <p:sp>
         <p:nvSpPr>
-          <p:cNvPr id="6" name="TextBox 5">
-            <a:extLst>
-              <a:ext uri="{FF2B5EF4-FFF2-40B4-BE49-F238E27FC236}">
-                <a16:creationId xmlns:a16="http://schemas.microsoft.com/office/drawing/2014/main" id="{2FBA05B0-61CF-4968-6876-C1945D6D2F39}"/>
+          <p:cNvPr id="8" name="TextBox 7">
+            <a:extLst>
+              <a:ext uri="{FF2B5EF4-FFF2-40B4-BE49-F238E27FC236}">
+                <a16:creationId xmlns:a16="http://schemas.microsoft.com/office/drawing/2014/main" id="{2DA72589-9231-D540-4F8B-9237EFD3C800}"/>
               </a:ext>
             </a:extLst>
           </p:cNvPr>
@@ -5647,8 +6486,8 @@
         </p:nvSpPr>
         <p:spPr>
           <a:xfrm>
-            <a:off x="3859925" y="2601310"/>
-            <a:ext cx="2015358" cy="646331"/>
+            <a:off x="7001830" y="2941275"/>
+            <a:ext cx="2519855" cy="646331"/>
           </a:xfrm>
           <a:prstGeom prst="rect">
             <a:avLst/>
@@ -5672,17 +6511,17 @@
                   <a:srgbClr val="C00000"/>
                 </a:solidFill>
               </a:rPr>
-              <a:t>Choose a mode of action</a:t>
+              <a:t>Click here to retrieve data for a single entry</a:t>
             </a:r>
           </a:p>
         </p:txBody>
       </p:sp>
       <p:cxnSp>
         <p:nvCxnSpPr>
-          <p:cNvPr id="7" name="Straight Arrow Connector 6">
-            <a:extLst>
-              <a:ext uri="{FF2B5EF4-FFF2-40B4-BE49-F238E27FC236}">
-                <a16:creationId xmlns:a16="http://schemas.microsoft.com/office/drawing/2014/main" id="{C30B79E8-1414-6B09-0C18-E667B3DA3A7F}"/>
+          <p:cNvPr id="9" name="Straight Arrow Connector 8">
+            <a:extLst>
+              <a:ext uri="{FF2B5EF4-FFF2-40B4-BE49-F238E27FC236}">
+                <a16:creationId xmlns:a16="http://schemas.microsoft.com/office/drawing/2014/main" id="{61C14257-C4B4-925E-3F62-D23479832413}"/>
               </a:ext>
             </a:extLst>
           </p:cNvPr>
@@ -5693,7 +6532,7 @@
         </p:nvCxnSpPr>
         <p:spPr>
           <a:xfrm flipV="1">
-            <a:off x="5875283" y="2375338"/>
+            <a:off x="9521685" y="2715303"/>
             <a:ext cx="1135117" cy="451945"/>
           </a:xfrm>
           <a:prstGeom prst="straightConnector1">
@@ -5723,10 +6562,10 @@
       </p:cxnSp>
       <p:sp>
         <p:nvSpPr>
-          <p:cNvPr id="8" name="TextBox 7">
-            <a:extLst>
-              <a:ext uri="{FF2B5EF4-FFF2-40B4-BE49-F238E27FC236}">
-                <a16:creationId xmlns:a16="http://schemas.microsoft.com/office/drawing/2014/main" id="{0F57FF10-1E76-C4EA-1AA1-065CD4EF97B3}"/>
+          <p:cNvPr id="11" name="TextBox 10">
+            <a:extLst>
+              <a:ext uri="{FF2B5EF4-FFF2-40B4-BE49-F238E27FC236}">
+                <a16:creationId xmlns:a16="http://schemas.microsoft.com/office/drawing/2014/main" id="{AB8D2926-1D6C-5996-7E3B-DA43CF094E3A}"/>
               </a:ext>
             </a:extLst>
           </p:cNvPr>
@@ -5735,8 +6574,8 @@
         </p:nvSpPr>
         <p:spPr>
           <a:xfrm>
-            <a:off x="7483366" y="2764275"/>
-            <a:ext cx="1692166" cy="646331"/>
+            <a:off x="3839469" y="4941802"/>
+            <a:ext cx="2519855" cy="646331"/>
           </a:xfrm>
           <a:prstGeom prst="rect">
             <a:avLst/>
@@ -5760,17 +6599,17 @@
                   <a:srgbClr val="C00000"/>
                 </a:solidFill>
               </a:rPr>
-              <a:t>Choose a class/category</a:t>
+              <a:t>Input entry id here and press “Execute”</a:t>
             </a:r>
           </a:p>
         </p:txBody>
       </p:sp>
       <p:cxnSp>
         <p:nvCxnSpPr>
-          <p:cNvPr id="9" name="Straight Arrow Connector 8">
-            <a:extLst>
-              <a:ext uri="{FF2B5EF4-FFF2-40B4-BE49-F238E27FC236}">
-                <a16:creationId xmlns:a16="http://schemas.microsoft.com/office/drawing/2014/main" id="{676112A2-3E2D-9345-A692-099BE2CE1ADC}"/>
+          <p:cNvPr id="12" name="Straight Arrow Connector 11">
+            <a:extLst>
+              <a:ext uri="{FF2B5EF4-FFF2-40B4-BE49-F238E27FC236}">
+                <a16:creationId xmlns:a16="http://schemas.microsoft.com/office/drawing/2014/main" id="{5CFBBFFA-76F2-9839-CFDA-DCDD315D78B9}"/>
               </a:ext>
             </a:extLst>
           </p:cNvPr>
@@ -5780,9 +6619,9 @@
           <p:nvPr/>
         </p:nvCxnSpPr>
         <p:spPr>
-          <a:xfrm flipV="1">
-            <a:off x="9025758" y="2963917"/>
-            <a:ext cx="1074683" cy="144517"/>
+          <a:xfrm flipH="1" flipV="1">
+            <a:off x="3950564" y="3662266"/>
+            <a:ext cx="347971" cy="1279536"/>
           </a:xfrm>
           <a:prstGeom prst="straightConnector1">
             <a:avLst/>
@@ -5812,7 +6651,7 @@
     </p:spTree>
     <p:extLst>
       <p:ext uri="{BB962C8B-B14F-4D97-AF65-F5344CB8AC3E}">
-        <p14:creationId xmlns:p14="http://schemas.microsoft.com/office/powerpoint/2010/main" val="2224896040"/>
+        <p14:creationId xmlns:p14="http://schemas.microsoft.com/office/powerpoint/2010/main" val="935187983"/>
       </p:ext>
     </p:extLst>
   </p:cSld>
